--- a/FinalPresentationTemplate.pptx
+++ b/FinalPresentationTemplate.pptx
@@ -5,7 +5,7 @@
     <p:sldMasterId id="2147483677" r:id="rId1"/>
   </p:sldMasterIdLst>
   <p:notesMasterIdLst>
-    <p:notesMasterId r:id="rId14"/>
+    <p:notesMasterId r:id="rId15"/>
   </p:notesMasterIdLst>
   <p:sldIdLst>
     <p:sldId id="256" r:id="rId2"/>
@@ -17,9 +17,10 @@
     <p:sldId id="263" r:id="rId8"/>
     <p:sldId id="264" r:id="rId9"/>
     <p:sldId id="262" r:id="rId10"/>
-    <p:sldId id="265" r:id="rId11"/>
-    <p:sldId id="266" r:id="rId12"/>
-    <p:sldId id="267" r:id="rId13"/>
+    <p:sldId id="268" r:id="rId11"/>
+    <p:sldId id="265" r:id="rId12"/>
+    <p:sldId id="266" r:id="rId13"/>
+    <p:sldId id="267" r:id="rId14"/>
   </p:sldIdLst>
   <p:sldSz cx="9144000" cy="6858000" type="screen4x3"/>
   <p:notesSz cx="6858000" cy="9144000"/>
@@ -5707,7 +5708,7 @@
           <a:p>
             <a:r>
               <a:rPr lang="en-US" dirty="0" smtClean="0"/>
-              <a:t>Testing</a:t>
+              <a:t>Deployment</a:t>
             </a:r>
             <a:endParaRPr lang="en-US" dirty="0"/>
           </a:p>
@@ -5725,32 +5726,164 @@
         </p:nvSpPr>
         <p:spPr/>
         <p:txBody>
-          <a:bodyPr/>
+          <a:bodyPr>
+            <a:normAutofit/>
+          </a:bodyPr>
           <a:lstStyle/>
           <a:p>
+            <a:pPr lvl="0" fontAlgn="base"/>
+            <a:r>
+              <a:rPr lang="en-US" dirty="0" smtClean="0">
+                <a:effectLst/>
+              </a:rPr>
+              <a:t>Hosting </a:t>
+            </a:r>
+            <a:r>
+              <a:rPr lang="en-US" dirty="0">
+                <a:effectLst/>
+              </a:rPr>
+              <a:t>Platform: </a:t>
+            </a:r>
+            <a:r>
+              <a:rPr lang="en-US" dirty="0">
+                <a:effectLst/>
+                <a:hlinkClick r:id="rId2"/>
+              </a:rPr>
+              <a:t>Amazon Web Services</a:t>
+            </a:r>
+            <a:endParaRPr lang="en-US" dirty="0">
+              <a:effectLst/>
+            </a:endParaRPr>
+          </a:p>
+          <a:p>
+            <a:pPr lvl="0" fontAlgn="base"/>
+            <a:r>
+              <a:rPr lang="en-US" dirty="0">
+                <a:effectLst/>
+              </a:rPr>
+              <a:t>Operating System: </a:t>
+            </a:r>
+            <a:r>
+              <a:rPr lang="en-US" dirty="0">
+                <a:effectLst/>
+                <a:hlinkClick r:id="rId3"/>
+              </a:rPr>
+              <a:t>Ubuntu 16.04.1</a:t>
+            </a:r>
+            <a:endParaRPr lang="en-US" dirty="0">
+              <a:effectLst/>
+            </a:endParaRPr>
+          </a:p>
+          <a:p>
+            <a:pPr lvl="0" fontAlgn="base"/>
+            <a:r>
+              <a:rPr lang="en-US" dirty="0">
+                <a:effectLst/>
+              </a:rPr>
+              <a:t>Web Server: </a:t>
+            </a:r>
+            <a:r>
+              <a:rPr lang="en-US" dirty="0">
+                <a:effectLst/>
+                <a:hlinkClick r:id="rId4"/>
+              </a:rPr>
+              <a:t>Apache HTTP Server 2.4</a:t>
+            </a:r>
+            <a:endParaRPr lang="en-US" dirty="0">
+              <a:effectLst/>
+            </a:endParaRPr>
+          </a:p>
+          <a:p>
+            <a:pPr lvl="0" fontAlgn="base"/>
+            <a:r>
+              <a:rPr lang="en-US" dirty="0">
+                <a:effectLst/>
+              </a:rPr>
+              <a:t>Database: </a:t>
+            </a:r>
+            <a:r>
+              <a:rPr lang="en-US" dirty="0" smtClean="0">
+                <a:effectLst/>
+                <a:hlinkClick r:id="rId5"/>
+              </a:rPr>
+              <a:t>MongoDB</a:t>
+            </a:r>
+            <a:endParaRPr lang="en-US" dirty="0">
+              <a:effectLst/>
+            </a:endParaRPr>
+          </a:p>
+          <a:p>
+            <a:r>
+              <a:rPr lang="en-US" dirty="0" smtClean="0">
+                <a:effectLst/>
+              </a:rPr>
+              <a:t>Automated </a:t>
+            </a:r>
+            <a:r>
+              <a:rPr lang="en-US" dirty="0">
+                <a:effectLst/>
+              </a:rPr>
+              <a:t>deployment is enabled by running bash script as </a:t>
+            </a:r>
+            <a:r>
+              <a:rPr lang="en-US" dirty="0" smtClean="0">
+                <a:effectLst/>
+              </a:rPr>
+              <a:t>root, which will </a:t>
+            </a:r>
+            <a:endParaRPr lang="en-US" dirty="0" smtClean="0"/>
+          </a:p>
+          <a:p>
+            <a:pPr lvl="1"/>
+            <a:r>
+              <a:rPr lang="en-US" dirty="0">
+                <a:effectLst/>
+              </a:rPr>
+              <a:t>install apache2, python, mongo driver, </a:t>
+            </a:r>
+            <a:r>
+              <a:rPr lang="en-US" dirty="0" smtClean="0">
+                <a:effectLst/>
+              </a:rPr>
+              <a:t>Flask and </a:t>
+            </a:r>
+            <a:r>
+              <a:rPr lang="en-US" dirty="0" err="1" smtClean="0">
+                <a:effectLst/>
+              </a:rPr>
+              <a:t>mongoDB</a:t>
+            </a:r>
+            <a:endParaRPr lang="en-US" dirty="0">
+              <a:effectLst/>
+            </a:endParaRPr>
+          </a:p>
+          <a:p>
+            <a:pPr lvl="1"/>
             <a:r>
               <a:rPr lang="en-US" dirty="0" smtClean="0"/>
-              <a:t>Test Cases specified</a:t>
-            </a:r>
-          </a:p>
-          <a:p>
-            <a:r>
-              <a:rPr lang="en-US" dirty="0" smtClean="0"/>
-              <a:t>What did you ACTUALLY do to make sure your app basically worked. </a:t>
-            </a:r>
+              <a:t>migrate source code files to localhost</a:t>
+            </a:r>
+            <a:endParaRPr lang="en-US" dirty="0" smtClean="0"/>
           </a:p>
         </p:txBody>
       </p:sp>
     </p:spTree>
     <p:extLst>
       <p:ext uri="{BB962C8B-B14F-4D97-AF65-F5344CB8AC3E}">
-        <p14:creationId xmlns:p14="http://schemas.microsoft.com/office/powerpoint/2010/main" val="3313724231"/>
+        <p14:creationId xmlns:p14="http://schemas.microsoft.com/office/powerpoint/2010/main" val="936177811"/>
       </p:ext>
     </p:extLst>
   </p:cSld>
   <p:clrMapOvr>
     <a:masterClrMapping/>
   </p:clrMapOvr>
+  <p:timing>
+    <p:tnLst>
+      <p:par>
+        <p:cTn id="1" dur="indefinite" restart="never" nodeType="tmRoot"/>
+      </p:par>
+    </p:tnLst>
+  </p:timing>
 </p:sld>
 </file>
 
@@ -5783,43 +5916,105 @@
         </p:nvSpPr>
         <p:spPr/>
         <p:txBody>
-          <a:bodyPr>
-            <a:normAutofit fontScale="90000"/>
-          </a:bodyPr>
-          <a:lstStyle/>
-          <a:p>
-            <a:r>
-              <a:rPr lang="en-US" dirty="0" smtClean="0"/>
-              <a:t>Putting it all Together: Sprint 4 &amp; .. 5..?</a:t>
-            </a:r>
-            <a:endParaRPr lang="en-US" dirty="0"/>
-          </a:p>
-        </p:txBody>
-      </p:sp>
-      <p:sp>
-        <p:nvSpPr>
-          <p:cNvPr id="3" name="Content Placeholder 2"/>
-          <p:cNvSpPr>
-            <a:spLocks noGrp="1"/>
-          </p:cNvSpPr>
-          <p:nvPr>
-            <p:ph idx="1"/>
-          </p:nvPr>
-        </p:nvSpPr>
-        <p:spPr/>
-        <p:txBody>
           <a:bodyPr/>
           <a:lstStyle/>
           <a:p>
             <a:r>
               <a:rPr lang="en-US" dirty="0" smtClean="0"/>
-              <a:t>Where is your project at?</a:t>
-            </a:r>
-          </a:p>
+              <a:t>Testing</a:t>
+            </a:r>
+            <a:endParaRPr lang="en-US" dirty="0"/>
+          </a:p>
+        </p:txBody>
+      </p:sp>
+      <p:sp>
+        <p:nvSpPr>
+          <p:cNvPr id="3" name="Content Placeholder 2"/>
+          <p:cNvSpPr>
+            <a:spLocks noGrp="1"/>
+          </p:cNvSpPr>
+          <p:nvPr>
+            <p:ph idx="1"/>
+          </p:nvPr>
+        </p:nvSpPr>
+        <p:spPr>
+          <a:xfrm>
+            <a:off x="685800" y="1869141"/>
+            <a:ext cx="7770813" cy="4771502"/>
+          </a:xfrm>
+        </p:spPr>
+        <p:txBody>
+          <a:bodyPr/>
+          <a:lstStyle/>
           <a:p>
             <a:r>
               <a:rPr lang="en-US" dirty="0" smtClean="0"/>
-              <a:t>What remains to be done?</a:t>
+              <a:t>Test Cases specified</a:t>
+            </a:r>
+          </a:p>
+          <a:p>
+            <a:pPr lvl="1"/>
+            <a:r>
+              <a:rPr lang="en-US" dirty="0" smtClean="0"/>
+              <a:t>Unit Tests: Sample manifest is tested on insert, replace, search and delete </a:t>
+            </a:r>
+            <a:r>
+              <a:rPr lang="en-US" dirty="0"/>
+              <a:t>functions. </a:t>
+            </a:r>
+            <a:r>
+              <a:rPr lang="en-US" dirty="0" smtClean="0"/>
+              <a:t>(</a:t>
+            </a:r>
+            <a:r>
+              <a:rPr lang="en-US" dirty="0" smtClean="0">
+                <a:hlinkClick r:id="rId2"/>
+              </a:rPr>
+              <a:t>https</a:t>
+            </a:r>
+            <a:r>
+              <a:rPr lang="en-US" dirty="0">
+                <a:hlinkClick r:id="rId2"/>
+              </a:rPr>
+              <a:t>://</a:t>
+            </a:r>
+            <a:r>
+              <a:rPr lang="en-US" dirty="0" smtClean="0">
+                <a:hlinkClick r:id="rId2"/>
+              </a:rPr>
+              <a:t>github.com/holtwashere/CS4320-FinalProject/blob/master/Source/db/dml_unit_tests.py)</a:t>
+            </a:r>
+            <a:r>
+              <a:rPr lang="en-US" dirty="0" smtClean="0"/>
+              <a:t>     The unit tests considered edge cases. </a:t>
+            </a:r>
+          </a:p>
+          <a:p>
+            <a:pPr lvl="1"/>
+            <a:r>
+              <a:rPr lang="en-US" dirty="0" smtClean="0"/>
+              <a:t>Integration Tests: Tested on upload, edit functions in UI.</a:t>
+            </a:r>
+          </a:p>
+          <a:p>
+            <a:r>
+              <a:rPr lang="en-US" dirty="0" smtClean="0"/>
+              <a:t>What did you ACTUALLY do to make sure your app basically worked. </a:t>
+            </a:r>
+          </a:p>
+          <a:p>
+            <a:pPr lvl="1"/>
+            <a:r>
+              <a:rPr lang="en-US" dirty="0" smtClean="0"/>
+              <a:t>Click around all the </a:t>
+            </a:r>
+            <a:r>
+              <a:rPr lang="en-US" dirty="0" smtClean="0"/>
+              <a:t>buttons </a:t>
+            </a:r>
+            <a:r>
+              <a:rPr lang="en-US" dirty="0" smtClean="0"/>
+              <a:t>in UI to make sure everything works as expected.</a:t>
             </a:r>
           </a:p>
         </p:txBody>
@@ -5827,13 +6022,20 @@
     </p:spTree>
     <p:extLst>
       <p:ext uri="{BB962C8B-B14F-4D97-AF65-F5344CB8AC3E}">
-        <p14:creationId xmlns:p14="http://schemas.microsoft.com/office/powerpoint/2010/main" val="56212133"/>
+        <p14:creationId xmlns:p14="http://schemas.microsoft.com/office/powerpoint/2010/main" val="3313724231"/>
       </p:ext>
     </p:extLst>
   </p:cSld>
   <p:clrMapOvr>
     <a:masterClrMapping/>
   </p:clrMapOvr>
+  <p:timing>
+    <p:tnLst>
+      <p:par>
+        <p:cTn id="1" dur="indefinite" restart="never" nodeType="tmRoot"/>
+      </p:par>
+    </p:tnLst>
+  </p:timing>
 </p:sld>
 </file>
 
@@ -5873,7 +6075,7 @@
           <a:p>
             <a:r>
               <a:rPr lang="en-US" dirty="0" smtClean="0"/>
-              <a:t>Reflections on Software Engineering &amp; This Project</a:t>
+              <a:t>Putting it all Together: Sprint 4 &amp; .. 5..?</a:t>
             </a:r>
             <a:endParaRPr lang="en-US" dirty="0"/>
           </a:p>
@@ -5896,7 +6098,157 @@
           <a:p>
             <a:r>
               <a:rPr lang="en-US" dirty="0" smtClean="0"/>
+              <a:t>Where is your project at</a:t>
+            </a:r>
+            <a:r>
+              <a:rPr lang="en-US" dirty="0"/>
+              <a:t>? </a:t>
+            </a:r>
+            <a:r>
+              <a:rPr lang="en-US" dirty="0" smtClean="0"/>
+              <a:t>(http</a:t>
+            </a:r>
+            <a:r>
+              <a:rPr lang="en-US" dirty="0"/>
+              <a:t>://</a:t>
+            </a:r>
+            <a:r>
+              <a:rPr lang="en-US" dirty="0" smtClean="0"/>
+              <a:t>ec2-35-164-234-183.us-west-2.compute.amazonaws.com/</a:t>
+            </a:r>
+            <a:r>
+              <a:rPr lang="en-US" dirty="0" err="1" smtClean="0"/>
+              <a:t>browse.html</a:t>
+            </a:r>
+            <a:r>
+              <a:rPr lang="en-US" dirty="0" smtClean="0"/>
+              <a:t>)</a:t>
+            </a:r>
+          </a:p>
+          <a:p>
+            <a:r>
+              <a:rPr lang="en-US" dirty="0" smtClean="0"/>
+              <a:t>What remains to be done?</a:t>
+            </a:r>
+          </a:p>
+          <a:p>
+            <a:pPr lvl="1"/>
+            <a:r>
+              <a:rPr lang="en-US" dirty="0" smtClean="0">
+                <a:solidFill>
+                  <a:srgbClr val="FF0000"/>
+                </a:solidFill>
+              </a:rPr>
+              <a:t>Enable search history??</a:t>
+            </a:r>
+          </a:p>
+          <a:p>
+            <a:pPr lvl="1"/>
+            <a:r>
+              <a:rPr lang="en-US" dirty="0" smtClean="0">
+                <a:solidFill>
+                  <a:srgbClr val="FF0000"/>
+                </a:solidFill>
+              </a:rPr>
+              <a:t>Like/dislike button??</a:t>
+            </a:r>
+          </a:p>
+        </p:txBody>
+      </p:sp>
+    </p:spTree>
+    <p:extLst>
+      <p:ext uri="{BB962C8B-B14F-4D97-AF65-F5344CB8AC3E}">
+        <p14:creationId xmlns:p14="http://schemas.microsoft.com/office/powerpoint/2010/main" val="56212133"/>
+      </p:ext>
+    </p:extLst>
+  </p:cSld>
+  <p:clrMapOvr>
+    <a:masterClrMapping/>
+  </p:clrMapOvr>
+  <p:timing>
+    <p:tnLst>
+      <p:par>
+        <p:cTn id="1" dur="indefinite" restart="never" nodeType="tmRoot"/>
+      </p:par>
+    </p:tnLst>
+  </p:timing>
+</p:sld>
+</file>
+
+<file path=ppt/slides/slide13.xml><?xml version="1.0" encoding="utf-8"?>
+<p:sld xmlns:a="http://schemas.openxmlformats.org/drawingml/2006/main" xmlns:r="http://schemas.openxmlformats.org/officeDocument/2006/relationships" xmlns:p="http://schemas.openxmlformats.org/presentationml/2006/main">
+  <p:cSld>
+    <p:spTree>
+      <p:nvGrpSpPr>
+        <p:cNvPr id="1" name=""/>
+        <p:cNvGrpSpPr/>
+        <p:nvPr/>
+      </p:nvGrpSpPr>
+      <p:grpSpPr>
+        <a:xfrm>
+          <a:off x="0" y="0"/>
+          <a:ext cx="0" cy="0"/>
+          <a:chOff x="0" y="0"/>
+          <a:chExt cx="0" cy="0"/>
+        </a:xfrm>
+      </p:grpSpPr>
+      <p:sp>
+        <p:nvSpPr>
+          <p:cNvPr id="2" name="Title 1"/>
+          <p:cNvSpPr>
+            <a:spLocks noGrp="1"/>
+          </p:cNvSpPr>
+          <p:nvPr>
+            <p:ph type="title"/>
+          </p:nvPr>
+        </p:nvSpPr>
+        <p:spPr/>
+        <p:txBody>
+          <a:bodyPr>
+            <a:normAutofit fontScale="90000"/>
+          </a:bodyPr>
+          <a:lstStyle/>
+          <a:p>
+            <a:r>
+              <a:rPr lang="en-US" dirty="0" smtClean="0"/>
+              <a:t>Reflections on Software Engineering &amp; This Project</a:t>
+            </a:r>
+            <a:endParaRPr lang="en-US" dirty="0"/>
+          </a:p>
+        </p:txBody>
+      </p:sp>
+      <p:sp>
+        <p:nvSpPr>
+          <p:cNvPr id="3" name="Content Placeholder 2"/>
+          <p:cNvSpPr>
+            <a:spLocks noGrp="1"/>
+          </p:cNvSpPr>
+          <p:nvPr>
+            <p:ph idx="1"/>
+          </p:nvPr>
+        </p:nvSpPr>
+        <p:spPr/>
+        <p:txBody>
+          <a:bodyPr/>
+          <a:lstStyle/>
+          <a:p>
+            <a:r>
+              <a:rPr lang="en-US" dirty="0" smtClean="0"/>
               <a:t>Software engineering is human. And procedural. Describe your experiences</a:t>
+            </a:r>
+          </a:p>
+          <a:p>
+            <a:pPr lvl="1"/>
+            <a:r>
+              <a:rPr lang="en-US" dirty="0" smtClean="0"/>
+              <a:t>Cooperation is very important.</a:t>
+            </a:r>
+          </a:p>
+          <a:p>
+            <a:pPr lvl="1"/>
+            <a:r>
+              <a:rPr lang="en-US" dirty="0" smtClean="0"/>
+              <a:t>Always begin to work at least two days before deadline.</a:t>
             </a:r>
           </a:p>
           <a:p>
@@ -5904,7 +6256,21 @@
               <a:rPr lang="en-US" dirty="0" smtClean="0"/>
               <a:t>What would your team do differently next time?</a:t>
             </a:r>
-            <a:endParaRPr lang="en-US" dirty="0"/>
+          </a:p>
+          <a:p>
+            <a:pPr lvl="1"/>
+            <a:r>
+              <a:rPr lang="en-US" dirty="0" smtClean="0">
+                <a:solidFill>
+                  <a:srgbClr val="FF0000"/>
+                </a:solidFill>
+              </a:rPr>
+              <a:t>???</a:t>
+            </a:r>
+          </a:p>
+          <a:p>
+            <a:pPr lvl="1"/>
+            <a:endParaRPr lang="en-US" dirty="0" smtClean="0"/>
           </a:p>
         </p:txBody>
       </p:sp>
@@ -5918,6 +6284,13 @@
   <p:clrMapOvr>
     <a:masterClrMapping/>
   </p:clrMapOvr>
+  <p:timing>
+    <p:tnLst>
+      <p:par>
+        <p:cTn id="1" dur="indefinite" restart="never" nodeType="tmRoot"/>
+      </p:par>
+    </p:tnLst>
+  </p:timing>
 </p:sld>
 </file>
 
@@ -6107,7 +6480,7 @@
           </a:prstGeom>
           <a:ln w="57150">
             <a:solidFill>
-              <a:srgbClr val="FF0000"/>
+              <a:schemeClr val="tx1"/>
             </a:solidFill>
             <a:tailEnd type="triangle"/>
           </a:ln>
@@ -6143,7 +6516,7 @@
           </a:prstGeom>
           <a:ln w="57150">
             <a:solidFill>
-              <a:srgbClr val="FF0000"/>
+              <a:schemeClr val="tx1"/>
             </a:solidFill>
             <a:tailEnd type="triangle"/>
           </a:ln>
@@ -6484,7 +6857,7 @@
           </a:prstGeom>
           <a:ln w="57150">
             <a:solidFill>
-              <a:srgbClr val="FF0000"/>
+              <a:schemeClr val="tx1"/>
             </a:solidFill>
             <a:tailEnd type="triangle"/>
           </a:ln>
@@ -6520,7 +6893,7 @@
           </a:prstGeom>
           <a:ln w="57150">
             <a:solidFill>
-              <a:srgbClr val="FF0000"/>
+              <a:schemeClr val="tx1"/>
             </a:solidFill>
             <a:tailEnd type="triangle"/>
           </a:ln>
@@ -7137,11 +7510,7 @@
             <a:pPr lvl="1"/>
             <a:r>
               <a:rPr lang="en-US" dirty="0" smtClean="0"/>
-              <a:t>Homepage UI is </a:t>
-            </a:r>
-            <a:r>
-              <a:rPr lang="en-US" dirty="0" smtClean="0"/>
-              <a:t>created based on </a:t>
+              <a:t>Homepage UI is created based on </a:t>
             </a:r>
             <a:r>
               <a:rPr lang="en-US" i="1" dirty="0" smtClean="0"/>
@@ -7163,27 +7532,14 @@
             <a:pPr lvl="2"/>
             <a:r>
               <a:rPr lang="en-US" dirty="0" smtClean="0"/>
-              <a:t>MongoDB </a:t>
-            </a:r>
+              <a:t>MongoDB is used for database</a:t>
+            </a:r>
+          </a:p>
+          <a:p>
+            <a:pPr lvl="2"/>
             <a:r>
               <a:rPr lang="en-US" dirty="0" smtClean="0"/>
-              <a:t>is </a:t>
-            </a:r>
-            <a:r>
-              <a:rPr lang="en-US" dirty="0" smtClean="0"/>
-              <a:t>used for database</a:t>
-            </a:r>
-            <a:endParaRPr lang="en-US" dirty="0" smtClean="0"/>
-          </a:p>
-          <a:p>
-            <a:pPr lvl="2"/>
-            <a:r>
-              <a:rPr lang="en-US" dirty="0" smtClean="0"/>
-              <a:t>PHP will be used for business </a:t>
-            </a:r>
-            <a:r>
-              <a:rPr lang="en-US" dirty="0" smtClean="0"/>
-              <a:t>logic</a:t>
+              <a:t>PHP will be used for business logic</a:t>
             </a:r>
           </a:p>
           <a:p>
@@ -7228,7 +7584,6 @@
               <a:rPr lang="en-US" dirty="0" smtClean="0"/>
               <a:t>Solution: python is used to replace ALL PHP functions.</a:t>
             </a:r>
-            <a:endParaRPr lang="en-US" dirty="0" smtClean="0"/>
           </a:p>
         </p:txBody>
       </p:sp>
@@ -7311,11 +7666,7 @@
           <a:p>
             <a:r>
               <a:rPr lang="en-US" dirty="0" smtClean="0"/>
-              <a:t>Tell the story of how your team </a:t>
-            </a:r>
-            <a:r>
-              <a:rPr lang="en-US" dirty="0" smtClean="0"/>
-              <a:t>improved</a:t>
+              <a:t>Tell the story of how your team improved</a:t>
             </a:r>
           </a:p>
           <a:p>
@@ -7338,16 +7689,11 @@
               <a:rPr lang="en-US" dirty="0" smtClean="0"/>
               <a:t>Backend functions are finished as well as unit tests</a:t>
             </a:r>
-            <a:endParaRPr lang="en-US" dirty="0" smtClean="0"/>
           </a:p>
           <a:p>
             <a:r>
               <a:rPr lang="en-US" dirty="0" smtClean="0"/>
-              <a:t>Tell the story of problems you continued to </a:t>
-            </a:r>
-            <a:r>
-              <a:rPr lang="en-US" dirty="0" smtClean="0"/>
-              <a:t>encounter</a:t>
+              <a:t>Tell the story of problems you continued to encounter</a:t>
             </a:r>
           </a:p>
           <a:p>
@@ -7361,9 +7707,8 @@
             <a:pPr lvl="2"/>
             <a:r>
               <a:rPr lang="en-US" dirty="0" smtClean="0"/>
-              <a:t>Solution: After rewrite the pages with flask, the problem goes away.</a:t>
-            </a:r>
-            <a:endParaRPr lang="en-US" dirty="0" smtClean="0"/>
+              <a:t>Solution: After change JS format for Flask, the problem is gone.</a:t>
+            </a:r>
           </a:p>
         </p:txBody>
       </p:sp>
@@ -8570,6 +8915,13 @@
   <p:clrMapOvr>
     <a:masterClrMapping/>
   </p:clrMapOvr>
+  <p:timing>
+    <p:tnLst>
+      <p:par>
+        <p:cTn id="1" dur="indefinite" restart="never" nodeType="tmRoot"/>
+      </p:par>
+    </p:tnLst>
+  </p:timing>
 </p:sld>
 </file>
 
@@ -8637,6 +8989,300 @@
           </a:p>
         </p:txBody>
       </p:sp>
+      <p:pic>
+        <p:nvPicPr>
+          <p:cNvPr id="6" name="Picture 5"/>
+          <p:cNvPicPr>
+            <a:picLocks noChangeAspect="1"/>
+          </p:cNvPicPr>
+          <p:nvPr/>
+        </p:nvPicPr>
+        <p:blipFill>
+          <a:blip r:embed="rId2">
+            <a:extLst>
+              <a:ext uri="{28A0092B-C50C-407E-A947-70E740481C1C}">
+                <a14:useLocalDpi xmlns:a14="http://schemas.microsoft.com/office/drawing/2010/main" val="0"/>
+              </a:ext>
+            </a:extLst>
+          </a:blip>
+          <a:stretch>
+            <a:fillRect/>
+          </a:stretch>
+        </p:blipFill>
+        <p:spPr>
+          <a:xfrm>
+            <a:off x="2196157" y="2662856"/>
+            <a:ext cx="1946564" cy="1946564"/>
+          </a:xfrm>
+          <a:prstGeom prst="rect">
+            <a:avLst/>
+          </a:prstGeom>
+        </p:spPr>
+      </p:pic>
+      <p:pic>
+        <p:nvPicPr>
+          <p:cNvPr id="7" name="Picture 6"/>
+          <p:cNvPicPr>
+            <a:picLocks noChangeAspect="1"/>
+          </p:cNvPicPr>
+          <p:nvPr/>
+        </p:nvPicPr>
+        <p:blipFill>
+          <a:blip r:embed="rId3">
+            <a:extLst>
+              <a:ext uri="{28A0092B-C50C-407E-A947-70E740481C1C}">
+                <a14:useLocalDpi xmlns:a14="http://schemas.microsoft.com/office/drawing/2010/main" val="0"/>
+              </a:ext>
+            </a:extLst>
+          </a:blip>
+          <a:stretch>
+            <a:fillRect/>
+          </a:stretch>
+        </p:blipFill>
+        <p:spPr>
+          <a:xfrm>
+            <a:off x="4502728" y="5500138"/>
+            <a:ext cx="3241964" cy="880069"/>
+          </a:xfrm>
+          <a:prstGeom prst="rect">
+            <a:avLst/>
+          </a:prstGeom>
+        </p:spPr>
+      </p:pic>
+      <p:pic>
+        <p:nvPicPr>
+          <p:cNvPr id="9" name="Picture 8"/>
+          <p:cNvPicPr>
+            <a:picLocks noChangeAspect="1"/>
+          </p:cNvPicPr>
+          <p:nvPr/>
+        </p:nvPicPr>
+        <p:blipFill>
+          <a:blip r:embed="rId4">
+            <a:extLst>
+              <a:ext uri="{28A0092B-C50C-407E-A947-70E740481C1C}">
+                <a14:useLocalDpi xmlns:a14="http://schemas.microsoft.com/office/drawing/2010/main" val="0"/>
+              </a:ext>
+            </a:extLst>
+          </a:blip>
+          <a:stretch>
+            <a:fillRect/>
+          </a:stretch>
+        </p:blipFill>
+        <p:spPr>
+          <a:xfrm>
+            <a:off x="1027190" y="3866633"/>
+            <a:ext cx="910078" cy="910078"/>
+          </a:xfrm>
+          <a:prstGeom prst="rect">
+            <a:avLst/>
+          </a:prstGeom>
+        </p:spPr>
+      </p:pic>
+      <p:pic>
+        <p:nvPicPr>
+          <p:cNvPr id="10" name="Picture 9"/>
+          <p:cNvPicPr>
+            <a:picLocks noChangeAspect="1"/>
+          </p:cNvPicPr>
+          <p:nvPr/>
+        </p:nvPicPr>
+        <p:blipFill>
+          <a:blip r:embed="rId5">
+            <a:extLst>
+              <a:ext uri="{28A0092B-C50C-407E-A947-70E740481C1C}">
+                <a14:useLocalDpi xmlns:a14="http://schemas.microsoft.com/office/drawing/2010/main" val="0"/>
+              </a:ext>
+            </a:extLst>
+          </a:blip>
+          <a:stretch>
+            <a:fillRect/>
+          </a:stretch>
+        </p:blipFill>
+        <p:spPr>
+          <a:xfrm>
+            <a:off x="900142" y="2547154"/>
+            <a:ext cx="1164175" cy="1164175"/>
+          </a:xfrm>
+          <a:prstGeom prst="rect">
+            <a:avLst/>
+          </a:prstGeom>
+        </p:spPr>
+      </p:pic>
+      <p:cxnSp>
+        <p:nvCxnSpPr>
+          <p:cNvPr id="19" name="Straight Arrow Connector 18"/>
+          <p:cNvCxnSpPr/>
+          <p:nvPr/>
+        </p:nvCxnSpPr>
+        <p:spPr>
+          <a:xfrm>
+            <a:off x="3962612" y="3619406"/>
+            <a:ext cx="1260552" cy="0"/>
+          </a:xfrm>
+          <a:prstGeom prst="straightConnector1">
+            <a:avLst/>
+          </a:prstGeom>
+          <a:ln w="57150">
+            <a:solidFill>
+              <a:schemeClr val="tx1"/>
+            </a:solidFill>
+            <a:tailEnd type="triangle"/>
+          </a:ln>
+        </p:spPr>
+        <p:style>
+          <a:lnRef idx="2">
+            <a:schemeClr val="accent1"/>
+          </a:lnRef>
+          <a:fillRef idx="0">
+            <a:schemeClr val="accent1"/>
+          </a:fillRef>
+          <a:effectRef idx="1">
+            <a:schemeClr val="accent1"/>
+          </a:effectRef>
+          <a:fontRef idx="minor">
+            <a:schemeClr val="tx1"/>
+          </a:fontRef>
+        </p:style>
+      </p:cxnSp>
+      <p:cxnSp>
+        <p:nvCxnSpPr>
+          <p:cNvPr id="20" name="Straight Arrow Connector 19"/>
+          <p:cNvCxnSpPr/>
+          <p:nvPr/>
+        </p:nvCxnSpPr>
+        <p:spPr>
+          <a:xfrm flipH="1">
+            <a:off x="3962612" y="3206203"/>
+            <a:ext cx="1260552" cy="2931"/>
+          </a:xfrm>
+          <a:prstGeom prst="straightConnector1">
+            <a:avLst/>
+          </a:prstGeom>
+          <a:ln w="57150">
+            <a:solidFill>
+              <a:schemeClr val="tx1"/>
+            </a:solidFill>
+            <a:tailEnd type="triangle"/>
+          </a:ln>
+        </p:spPr>
+        <p:style>
+          <a:lnRef idx="2">
+            <a:schemeClr val="accent1"/>
+          </a:lnRef>
+          <a:fillRef idx="0">
+            <a:schemeClr val="accent1"/>
+          </a:fillRef>
+          <a:effectRef idx="1">
+            <a:schemeClr val="accent1"/>
+          </a:effectRef>
+          <a:fontRef idx="minor">
+            <a:schemeClr val="tx1"/>
+          </a:fontRef>
+        </p:style>
+      </p:cxnSp>
+      <p:cxnSp>
+        <p:nvCxnSpPr>
+          <p:cNvPr id="31" name="Straight Arrow Connector 30"/>
+          <p:cNvCxnSpPr/>
+          <p:nvPr/>
+        </p:nvCxnSpPr>
+        <p:spPr>
+          <a:xfrm flipV="1">
+            <a:off x="6279202" y="4392744"/>
+            <a:ext cx="13643" cy="822534"/>
+          </a:xfrm>
+          <a:prstGeom prst="straightConnector1">
+            <a:avLst/>
+          </a:prstGeom>
+          <a:ln w="57150">
+            <a:solidFill>
+              <a:schemeClr val="tx1"/>
+            </a:solidFill>
+            <a:tailEnd type="triangle"/>
+          </a:ln>
+        </p:spPr>
+        <p:style>
+          <a:lnRef idx="2">
+            <a:schemeClr val="accent1"/>
+          </a:lnRef>
+          <a:fillRef idx="0">
+            <a:schemeClr val="accent1"/>
+          </a:fillRef>
+          <a:effectRef idx="1">
+            <a:schemeClr val="accent1"/>
+          </a:effectRef>
+          <a:fontRef idx="minor">
+            <a:schemeClr val="tx1"/>
+          </a:fontRef>
+        </p:style>
+      </p:cxnSp>
+      <p:cxnSp>
+        <p:nvCxnSpPr>
+          <p:cNvPr id="32" name="Straight Arrow Connector 31"/>
+          <p:cNvCxnSpPr/>
+          <p:nvPr/>
+        </p:nvCxnSpPr>
+        <p:spPr>
+          <a:xfrm>
+            <a:off x="6625354" y="4466695"/>
+            <a:ext cx="0" cy="768160"/>
+          </a:xfrm>
+          <a:prstGeom prst="straightConnector1">
+            <a:avLst/>
+          </a:prstGeom>
+          <a:ln w="57150">
+            <a:solidFill>
+              <a:schemeClr val="tx1"/>
+            </a:solidFill>
+            <a:tailEnd type="triangle"/>
+          </a:ln>
+        </p:spPr>
+        <p:style>
+          <a:lnRef idx="2">
+            <a:schemeClr val="accent1"/>
+          </a:lnRef>
+          <a:fillRef idx="0">
+            <a:schemeClr val="accent1"/>
+          </a:fillRef>
+          <a:effectRef idx="1">
+            <a:schemeClr val="accent1"/>
+          </a:effectRef>
+          <a:fontRef idx="minor">
+            <a:schemeClr val="tx1"/>
+          </a:fontRef>
+        </p:style>
+      </p:cxnSp>
+      <p:pic>
+        <p:nvPicPr>
+          <p:cNvPr id="42" name="Picture 41"/>
+          <p:cNvPicPr>
+            <a:picLocks noChangeAspect="1"/>
+          </p:cNvPicPr>
+          <p:nvPr/>
+        </p:nvPicPr>
+        <p:blipFill>
+          <a:blip r:embed="rId6">
+            <a:extLst>
+              <a:ext uri="{28A0092B-C50C-407E-A947-70E740481C1C}">
+                <a14:useLocalDpi xmlns:a14="http://schemas.microsoft.com/office/drawing/2010/main" val="0"/>
+              </a:ext>
+            </a:extLst>
+          </a:blip>
+          <a:stretch>
+            <a:fillRect/>
+          </a:stretch>
+        </p:blipFill>
+        <p:spPr>
+          <a:xfrm>
+            <a:off x="5372400" y="2161394"/>
+            <a:ext cx="3216053" cy="2089618"/>
+          </a:xfrm>
+          <a:prstGeom prst="rect">
+            <a:avLst/>
+          </a:prstGeom>
+        </p:spPr>
+      </p:pic>
     </p:spTree>
     <p:extLst>
       <p:ext uri="{BB962C8B-B14F-4D97-AF65-F5344CB8AC3E}">
@@ -8647,6 +9293,13 @@
   <p:clrMapOvr>
     <a:masterClrMapping/>
   </p:clrMapOvr>
+  <p:timing>
+    <p:tnLst>
+      <p:par>
+        <p:cTn id="1" dur="indefinite" restart="never" nodeType="tmRoot"/>
+      </p:par>
+    </p:tnLst>
+  </p:timing>
 </p:sld>
 </file>
 
@@ -8730,6 +9383,13 @@
   <p:clrMapOvr>
     <a:masterClrMapping/>
   </p:clrMapOvr>
+  <p:timing>
+    <p:tnLst>
+      <p:par>
+        <p:cTn id="1" dur="indefinite" restart="never" nodeType="tmRoot"/>
+      </p:par>
+    </p:tnLst>
+  </p:timing>
 </p:sld>
 </file>
 
@@ -8813,6 +9473,13 @@
   <p:clrMapOvr>
     <a:masterClrMapping/>
   </p:clrMapOvr>
+  <p:timing>
+    <p:tnLst>
+      <p:par>
+        <p:cTn id="1" dur="indefinite" restart="never" nodeType="tmRoot"/>
+      </p:par>
+    </p:tnLst>
+  </p:timing>
 </p:sld>
 </file>
 
@@ -8914,6 +9581,13 @@
   <p:clrMapOvr>
     <a:masterClrMapping/>
   </p:clrMapOvr>
+  <p:timing>
+    <p:tnLst>
+      <p:par>
+        <p:cTn id="1" dur="indefinite" restart="never" nodeType="tmRoot"/>
+      </p:par>
+    </p:tnLst>
+  </p:timing>
 </p:sld>
 </file>
 

--- a/FinalPresentationTemplate.pptx
+++ b/FinalPresentationTemplate.pptx
@@ -12,7 +12,7 @@
     <p:sldId id="257" r:id="rId3"/>
     <p:sldId id="258" r:id="rId4"/>
     <p:sldId id="259" r:id="rId5"/>
-    <p:sldId id="260" r:id="rId6"/>
+    <p:sldId id="270" r:id="rId6"/>
     <p:sldId id="261" r:id="rId7"/>
     <p:sldId id="263" r:id="rId8"/>
     <p:sldId id="264" r:id="rId9"/>
@@ -220,7 +220,7 @@
           <a:p>
             <a:fld id="{241C43CC-799B-40A2-A139-2AF901B87A00}" type="datetimeFigureOut">
               <a:rPr lang="en-US" smtClean="0"/>
-              <a:t>12/4/16</a:t>
+              <a:t>12/5/2016</a:t>
             </a:fld>
             <a:endParaRPr lang="en-US"/>
           </a:p>
@@ -284,38 +284,37 @@
           <a:p>
             <a:pPr lvl="0"/>
             <a:r>
-              <a:rPr lang="en-US" smtClean="0"/>
+              <a:rPr lang="en-US"/>
               <a:t>Edit Master text styles</a:t>
             </a:r>
           </a:p>
           <a:p>
             <a:pPr lvl="1"/>
             <a:r>
-              <a:rPr lang="en-US" smtClean="0"/>
+              <a:rPr lang="en-US"/>
               <a:t>Second level</a:t>
             </a:r>
           </a:p>
           <a:p>
             <a:pPr lvl="2"/>
             <a:r>
-              <a:rPr lang="en-US" smtClean="0"/>
+              <a:rPr lang="en-US"/>
               <a:t>Third level</a:t>
             </a:r>
           </a:p>
           <a:p>
             <a:pPr lvl="3"/>
             <a:r>
-              <a:rPr lang="en-US" smtClean="0"/>
+              <a:rPr lang="en-US"/>
               <a:t>Fourth level</a:t>
             </a:r>
           </a:p>
           <a:p>
             <a:pPr lvl="4"/>
             <a:r>
-              <a:rPr lang="en-US" smtClean="0"/>
+              <a:rPr lang="en-US"/>
               <a:t>Fifth level</a:t>
             </a:r>
-            <a:endParaRPr lang="en-US"/>
           </a:p>
         </p:txBody>
       </p:sp>
@@ -533,11 +532,11 @@
           <a:lstStyle/>
           <a:p>
             <a:r>
-              <a:rPr lang="en-US" dirty="0" smtClean="0"/>
+              <a:rPr lang="en-US" dirty="0"/>
               <a:t>They asked for a story about requirements, no</a:t>
             </a:r>
             <a:r>
-              <a:rPr lang="en-US" baseline="0" dirty="0" smtClean="0"/>
+              <a:rPr lang="en-US" baseline="0" dirty="0"/>
               <a:t>t bullets… Ok.</a:t>
             </a:r>
             <a:endParaRPr lang="en-US" dirty="0"/>
@@ -571,98 +570,6 @@
     <p:extLst>
       <p:ext uri="{BB962C8B-B14F-4D97-AF65-F5344CB8AC3E}">
         <p14:creationId xmlns:p14="http://schemas.microsoft.com/office/powerpoint/2010/main" val="1213223044"/>
-      </p:ext>
-    </p:extLst>
-  </p:cSld>
-  <p:clrMapOvr>
-    <a:masterClrMapping/>
-  </p:clrMapOvr>
-</p:notes>
-</file>
-
-<file path=ppt/notesSlides/notesSlide2.xml><?xml version="1.0" encoding="utf-8"?>
-<p:notes xmlns:a="http://schemas.openxmlformats.org/drawingml/2006/main" xmlns:r="http://schemas.openxmlformats.org/officeDocument/2006/relationships" xmlns:p="http://schemas.openxmlformats.org/presentationml/2006/main">
-  <p:cSld>
-    <p:spTree>
-      <p:nvGrpSpPr>
-        <p:cNvPr id="1" name=""/>
-        <p:cNvGrpSpPr/>
-        <p:nvPr/>
-      </p:nvGrpSpPr>
-      <p:grpSpPr>
-        <a:xfrm>
-          <a:off x="0" y="0"/>
-          <a:ext cx="0" cy="0"/>
-          <a:chOff x="0" y="0"/>
-          <a:chExt cx="0" cy="0"/>
-        </a:xfrm>
-      </p:grpSpPr>
-      <p:sp>
-        <p:nvSpPr>
-          <p:cNvPr id="2" name="Slide Image Placeholder 1"/>
-          <p:cNvSpPr>
-            <a:spLocks noGrp="1" noRot="1" noChangeAspect="1"/>
-          </p:cNvSpPr>
-          <p:nvPr>
-            <p:ph type="sldImg"/>
-          </p:nvPr>
-        </p:nvSpPr>
-        <p:spPr/>
-      </p:sp>
-      <p:sp>
-        <p:nvSpPr>
-          <p:cNvPr id="3" name="Notes Placeholder 2"/>
-          <p:cNvSpPr>
-            <a:spLocks noGrp="1"/>
-          </p:cNvSpPr>
-          <p:nvPr>
-            <p:ph type="body" idx="1"/>
-          </p:nvPr>
-        </p:nvSpPr>
-        <p:spPr/>
-        <p:txBody>
-          <a:bodyPr/>
-          <a:lstStyle/>
-          <a:p>
-            <a:r>
-              <a:rPr lang="en-US" dirty="0" smtClean="0"/>
-              <a:t>The texts</a:t>
-            </a:r>
-            <a:r>
-              <a:rPr lang="en-US" baseline="0" dirty="0" smtClean="0"/>
-              <a:t> need to be simplified.</a:t>
-            </a:r>
-            <a:endParaRPr lang="en-US" dirty="0"/>
-          </a:p>
-        </p:txBody>
-      </p:sp>
-      <p:sp>
-        <p:nvSpPr>
-          <p:cNvPr id="4" name="Slide Number Placeholder 3"/>
-          <p:cNvSpPr>
-            <a:spLocks noGrp="1"/>
-          </p:cNvSpPr>
-          <p:nvPr>
-            <p:ph type="sldNum" sz="quarter" idx="10"/>
-          </p:nvPr>
-        </p:nvSpPr>
-        <p:spPr/>
-        <p:txBody>
-          <a:bodyPr/>
-          <a:lstStyle/>
-          <a:p>
-            <a:fld id="{CB10AA30-1F12-4771-80E6-0F5B281F83ED}" type="slidenum">
-              <a:rPr lang="en-US" smtClean="0"/>
-              <a:t>5</a:t>
-            </a:fld>
-            <a:endParaRPr lang="en-US"/>
-          </a:p>
-        </p:txBody>
-      </p:sp>
-    </p:spTree>
-    <p:extLst>
-      <p:ext uri="{BB962C8B-B14F-4D97-AF65-F5344CB8AC3E}">
-        <p14:creationId xmlns:p14="http://schemas.microsoft.com/office/powerpoint/2010/main" val="1272277506"/>
       </p:ext>
     </p:extLst>
   </p:cSld>
@@ -734,7 +641,7 @@
           </a:lstStyle>
           <a:p>
             <a:r>
-              <a:rPr lang="en-US" smtClean="0"/>
+              <a:rPr lang="en-US"/>
               <a:t>Click to edit Master title style</a:t>
             </a:r>
             <a:endParaRPr dirty="0"/>
@@ -869,7 +776,7 @@
           </a:lstStyle>
           <a:p>
             <a:r>
-              <a:rPr lang="en-US" smtClean="0"/>
+              <a:rPr lang="en-US"/>
               <a:t>Click to edit Master subtitle style</a:t>
             </a:r>
             <a:endParaRPr dirty="0"/>
@@ -893,7 +800,7 @@
           <a:p>
             <a:fld id="{2AEB09BC-4CC8-614F-8CE4-E09D87E31842}" type="datetimeFigureOut">
               <a:rPr lang="en-US" smtClean="0"/>
-              <a:t>12/4/16</a:t>
+              <a:t>12/5/2016</a:t>
             </a:fld>
             <a:endParaRPr lang="en-US"/>
           </a:p>
@@ -1007,7 +914,7 @@
           </a:lstStyle>
           <a:p>
             <a:r>
-              <a:rPr lang="en-US" smtClean="0"/>
+              <a:rPr lang="en-US"/>
               <a:t>Click to edit Master title style</a:t>
             </a:r>
             <a:endParaRPr/>
@@ -1111,7 +1018,7 @@
           </a:lstStyle>
           <a:p>
             <a:r>
-              <a:rPr lang="en-US" smtClean="0"/>
+              <a:rPr lang="en-US"/>
               <a:t>Drag picture to placeholder or click icon to add</a:t>
             </a:r>
             <a:endParaRPr/>
@@ -1202,7 +1109,7 @@
               <a:buNone/>
             </a:pPr>
             <a:r>
-              <a:rPr lang="en-US" smtClean="0"/>
+              <a:rPr lang="en-US"/>
               <a:t>Click to edit Master text styles</a:t>
             </a:r>
           </a:p>
@@ -1225,7 +1132,7 @@
           <a:p>
             <a:fld id="{2AEB09BC-4CC8-614F-8CE4-E09D87E31842}" type="datetimeFigureOut">
               <a:rPr lang="en-US" smtClean="0"/>
-              <a:t>12/4/16</a:t>
+              <a:t>12/5/2016</a:t>
             </a:fld>
             <a:endParaRPr lang="en-US"/>
           </a:p>
@@ -1339,7 +1246,7 @@
           </a:lstStyle>
           <a:p>
             <a:r>
-              <a:rPr lang="en-US" smtClean="0"/>
+              <a:rPr lang="en-US"/>
               <a:t>Click to edit Master title style</a:t>
             </a:r>
             <a:endParaRPr/>
@@ -1443,7 +1350,7 @@
           </a:lstStyle>
           <a:p>
             <a:r>
-              <a:rPr lang="en-US" smtClean="0"/>
+              <a:rPr lang="en-US"/>
               <a:t>Drag picture to placeholder or click icon to add</a:t>
             </a:r>
             <a:endParaRPr/>
@@ -1534,7 +1441,7 @@
               <a:buNone/>
             </a:pPr>
             <a:r>
-              <a:rPr lang="en-US" smtClean="0"/>
+              <a:rPr lang="en-US"/>
               <a:t>Click to edit Master text styles</a:t>
             </a:r>
           </a:p>
@@ -1557,7 +1464,7 @@
           <a:p>
             <a:fld id="{2AEB09BC-4CC8-614F-8CE4-E09D87E31842}" type="datetimeFigureOut">
               <a:rPr lang="en-US" smtClean="0"/>
-              <a:t>12/4/16</a:t>
+              <a:t>12/5/2016</a:t>
             </a:fld>
             <a:endParaRPr lang="en-US"/>
           </a:p>
@@ -1671,7 +1578,7 @@
           </a:lstStyle>
           <a:p>
             <a:r>
-              <a:rPr lang="en-US" smtClean="0"/>
+              <a:rPr lang="en-US"/>
               <a:t>Click to edit Master title style</a:t>
             </a:r>
             <a:endParaRPr/>
@@ -1775,7 +1682,7 @@
           </a:lstStyle>
           <a:p>
             <a:r>
-              <a:rPr lang="en-US" smtClean="0"/>
+              <a:rPr lang="en-US"/>
               <a:t>Drag picture to placeholder or click icon to add</a:t>
             </a:r>
             <a:endParaRPr/>
@@ -1866,7 +1773,7 @@
               <a:buNone/>
             </a:pPr>
             <a:r>
-              <a:rPr lang="en-US" smtClean="0"/>
+              <a:rPr lang="en-US"/>
               <a:t>Click to edit Master text styles</a:t>
             </a:r>
           </a:p>
@@ -1889,7 +1796,7 @@
           <a:p>
             <a:fld id="{2AEB09BC-4CC8-614F-8CE4-E09D87E31842}" type="datetimeFigureOut">
               <a:rPr lang="en-US" smtClean="0"/>
-              <a:t>12/4/16</a:t>
+              <a:t>12/5/2016</a:t>
             </a:fld>
             <a:endParaRPr lang="en-US"/>
           </a:p>
@@ -2034,7 +1941,7 @@
           </a:lstStyle>
           <a:p>
             <a:r>
-              <a:rPr lang="en-US" smtClean="0"/>
+              <a:rPr lang="en-US"/>
               <a:t>Drag picture to placeholder or click icon to add</a:t>
             </a:r>
             <a:endParaRPr/>
@@ -2138,7 +2045,7 @@
           </a:lstStyle>
           <a:p>
             <a:r>
-              <a:rPr lang="en-US" smtClean="0"/>
+              <a:rPr lang="en-US"/>
               <a:t>Drag picture to placeholder or click icon to add</a:t>
             </a:r>
             <a:endParaRPr/>
@@ -2242,7 +2149,7 @@
           </a:lstStyle>
           <a:p>
             <a:r>
-              <a:rPr lang="en-US" smtClean="0"/>
+              <a:rPr lang="en-US"/>
               <a:t>Drag picture to placeholder or click icon to add</a:t>
             </a:r>
             <a:endParaRPr/>
@@ -2346,7 +2253,7 @@
           </a:lstStyle>
           <a:p>
             <a:r>
-              <a:rPr lang="en-US" smtClean="0"/>
+              <a:rPr lang="en-US"/>
               <a:t>Drag picture to placeholder or click icon to add</a:t>
             </a:r>
             <a:endParaRPr/>
@@ -2450,7 +2357,7 @@
           </a:lstStyle>
           <a:p>
             <a:r>
-              <a:rPr lang="en-US" smtClean="0"/>
+              <a:rPr lang="en-US"/>
               <a:t>Drag picture to placeholder or click icon to add</a:t>
             </a:r>
             <a:endParaRPr/>
@@ -2498,7 +2405,7 @@
           <a:lstStyle/>
           <a:p>
             <a:r>
-              <a:rPr lang="en-US" smtClean="0"/>
+              <a:rPr lang="en-US"/>
               <a:t>Click to edit Master title style</a:t>
             </a:r>
             <a:endParaRPr/>
@@ -2526,35 +2433,35 @@
           <a:p>
             <a:pPr lvl="0"/>
             <a:r>
-              <a:rPr lang="en-US" smtClean="0"/>
+              <a:rPr lang="en-US"/>
               <a:t>Click to edit Master text styles</a:t>
             </a:r>
           </a:p>
           <a:p>
             <a:pPr lvl="1"/>
             <a:r>
-              <a:rPr lang="en-US" smtClean="0"/>
+              <a:rPr lang="en-US"/>
               <a:t>Second level</a:t>
             </a:r>
           </a:p>
           <a:p>
             <a:pPr lvl="2"/>
             <a:r>
-              <a:rPr lang="en-US" smtClean="0"/>
+              <a:rPr lang="en-US"/>
               <a:t>Third level</a:t>
             </a:r>
           </a:p>
           <a:p>
             <a:pPr lvl="3"/>
             <a:r>
-              <a:rPr lang="en-US" smtClean="0"/>
+              <a:rPr lang="en-US"/>
               <a:t>Fourth level</a:t>
             </a:r>
           </a:p>
           <a:p>
             <a:pPr lvl="4"/>
             <a:r>
-              <a:rPr lang="en-US" smtClean="0"/>
+              <a:rPr lang="en-US"/>
               <a:t>Fifth level</a:t>
             </a:r>
             <a:endParaRPr dirty="0"/>
@@ -2578,7 +2485,7 @@
           <a:p>
             <a:fld id="{2AEB09BC-4CC8-614F-8CE4-E09D87E31842}" type="datetimeFigureOut">
               <a:rPr lang="en-US" smtClean="0"/>
-              <a:t>12/4/16</a:t>
+              <a:t>12/5/2016</a:t>
             </a:fld>
             <a:endParaRPr lang="en-US"/>
           </a:p>
@@ -2672,7 +2579,7 @@
           <a:lstStyle/>
           <a:p>
             <a:r>
-              <a:rPr lang="en-US" smtClean="0"/>
+              <a:rPr lang="en-US"/>
               <a:t>Click to edit Master title style</a:t>
             </a:r>
             <a:endParaRPr/>
@@ -2705,35 +2612,35 @@
           <a:p>
             <a:pPr lvl="0"/>
             <a:r>
-              <a:rPr lang="en-US" smtClean="0"/>
+              <a:rPr lang="en-US"/>
               <a:t>Click to edit Master text styles</a:t>
             </a:r>
           </a:p>
           <a:p>
             <a:pPr lvl="1"/>
             <a:r>
-              <a:rPr lang="en-US" smtClean="0"/>
+              <a:rPr lang="en-US"/>
               <a:t>Second level</a:t>
             </a:r>
           </a:p>
           <a:p>
             <a:pPr lvl="2"/>
             <a:r>
-              <a:rPr lang="en-US" smtClean="0"/>
+              <a:rPr lang="en-US"/>
               <a:t>Third level</a:t>
             </a:r>
           </a:p>
           <a:p>
             <a:pPr lvl="3"/>
             <a:r>
-              <a:rPr lang="en-US" smtClean="0"/>
+              <a:rPr lang="en-US"/>
               <a:t>Fourth level</a:t>
             </a:r>
           </a:p>
           <a:p>
             <a:pPr lvl="4"/>
             <a:r>
-              <a:rPr lang="en-US" smtClean="0"/>
+              <a:rPr lang="en-US"/>
               <a:t>Fifth level</a:t>
             </a:r>
             <a:endParaRPr dirty="0"/>
@@ -2757,7 +2664,7 @@
           <a:p>
             <a:fld id="{2AEB09BC-4CC8-614F-8CE4-E09D87E31842}" type="datetimeFigureOut">
               <a:rPr lang="en-US" smtClean="0"/>
-              <a:t>12/4/16</a:t>
+              <a:t>12/5/2016</a:t>
             </a:fld>
             <a:endParaRPr lang="en-US"/>
           </a:p>
@@ -2846,7 +2753,7 @@
           <a:lstStyle/>
           <a:p>
             <a:r>
-              <a:rPr lang="en-US" smtClean="0"/>
+              <a:rPr lang="en-US"/>
               <a:t>Click to edit Master title style</a:t>
             </a:r>
             <a:endParaRPr/>
@@ -2879,35 +2786,35 @@
           <a:p>
             <a:pPr lvl="0"/>
             <a:r>
-              <a:rPr lang="en-US" smtClean="0"/>
+              <a:rPr lang="en-US"/>
               <a:t>Click to edit Master text styles</a:t>
             </a:r>
           </a:p>
           <a:p>
             <a:pPr lvl="1"/>
             <a:r>
-              <a:rPr lang="en-US" smtClean="0"/>
+              <a:rPr lang="en-US"/>
               <a:t>Second level</a:t>
             </a:r>
           </a:p>
           <a:p>
             <a:pPr lvl="2"/>
             <a:r>
-              <a:rPr lang="en-US" smtClean="0"/>
+              <a:rPr lang="en-US"/>
               <a:t>Third level</a:t>
             </a:r>
           </a:p>
           <a:p>
             <a:pPr lvl="3"/>
             <a:r>
-              <a:rPr lang="en-US" smtClean="0"/>
+              <a:rPr lang="en-US"/>
               <a:t>Fourth level</a:t>
             </a:r>
           </a:p>
           <a:p>
             <a:pPr lvl="4"/>
             <a:r>
-              <a:rPr lang="en-US" smtClean="0"/>
+              <a:rPr lang="en-US"/>
               <a:t>Fifth level</a:t>
             </a:r>
             <a:endParaRPr dirty="0"/>
@@ -2931,7 +2838,7 @@
           <a:p>
             <a:fld id="{2AEB09BC-4CC8-614F-8CE4-E09D87E31842}" type="datetimeFigureOut">
               <a:rPr lang="en-US" smtClean="0"/>
-              <a:t>12/4/16</a:t>
+              <a:t>12/5/2016</a:t>
             </a:fld>
             <a:endParaRPr lang="en-US"/>
           </a:p>
@@ -3031,7 +2938,7 @@
           </a:lstStyle>
           <a:p>
             <a:r>
-              <a:rPr lang="en-US" smtClean="0"/>
+              <a:rPr lang="en-US"/>
               <a:t>Click to edit Master title style</a:t>
             </a:r>
             <a:endParaRPr/>
@@ -3155,7 +3062,7 @@
           </a:lstStyle>
           <a:p>
             <a:r>
-              <a:rPr lang="en-US" smtClean="0"/>
+              <a:rPr lang="en-US"/>
               <a:t>Click to edit Master subtitle style</a:t>
             </a:r>
             <a:endParaRPr dirty="0"/>
@@ -3179,7 +3086,7 @@
           <a:p>
             <a:fld id="{2AEB09BC-4CC8-614F-8CE4-E09D87E31842}" type="datetimeFigureOut">
               <a:rPr lang="en-US" smtClean="0"/>
-              <a:t>12/4/16</a:t>
+              <a:t>12/5/2016</a:t>
             </a:fld>
             <a:endParaRPr lang="en-US"/>
           </a:p>
@@ -3273,7 +3180,7 @@
           </a:lstStyle>
           <a:p>
             <a:r>
-              <a:rPr lang="en-US" smtClean="0"/>
+              <a:rPr lang="en-US"/>
               <a:t>Drag picture to placeholder or click icon to add</a:t>
             </a:r>
             <a:endParaRPr/>
@@ -3350,7 +3257,7 @@
           </a:lstStyle>
           <a:p>
             <a:r>
-              <a:rPr lang="en-US" smtClean="0"/>
+              <a:rPr lang="en-US"/>
               <a:t>Click to edit Master title style</a:t>
             </a:r>
             <a:endParaRPr/>
@@ -3486,7 +3393,7 @@
           <a:p>
             <a:pPr lvl="0"/>
             <a:r>
-              <a:rPr lang="en-US" smtClean="0"/>
+              <a:rPr lang="en-US"/>
               <a:t>Click to edit Master text styles</a:t>
             </a:r>
           </a:p>
@@ -3509,7 +3416,7 @@
           <a:p>
             <a:fld id="{2AEB09BC-4CC8-614F-8CE4-E09D87E31842}" type="datetimeFigureOut">
               <a:rPr lang="en-US" smtClean="0"/>
-              <a:t>12/4/16</a:t>
+              <a:t>12/5/2016</a:t>
             </a:fld>
             <a:endParaRPr lang="en-US"/>
           </a:p>
@@ -3603,7 +3510,7 @@
           <a:lstStyle/>
           <a:p>
             <a:r>
-              <a:rPr lang="en-US" smtClean="0"/>
+              <a:rPr lang="en-US"/>
               <a:t>Click to edit Master title style</a:t>
             </a:r>
             <a:endParaRPr/>
@@ -3662,35 +3569,35 @@
           <a:p>
             <a:pPr lvl="0"/>
             <a:r>
-              <a:rPr lang="en-US" smtClean="0"/>
+              <a:rPr lang="en-US"/>
               <a:t>Click to edit Master text styles</a:t>
             </a:r>
           </a:p>
           <a:p>
             <a:pPr lvl="1"/>
             <a:r>
-              <a:rPr lang="en-US" smtClean="0"/>
+              <a:rPr lang="en-US"/>
               <a:t>Second level</a:t>
             </a:r>
           </a:p>
           <a:p>
             <a:pPr lvl="2"/>
             <a:r>
-              <a:rPr lang="en-US" smtClean="0"/>
+              <a:rPr lang="en-US"/>
               <a:t>Third level</a:t>
             </a:r>
           </a:p>
           <a:p>
             <a:pPr lvl="3"/>
             <a:r>
-              <a:rPr lang="en-US" smtClean="0"/>
+              <a:rPr lang="en-US"/>
               <a:t>Fourth level</a:t>
             </a:r>
           </a:p>
           <a:p>
             <a:pPr lvl="4"/>
             <a:r>
-              <a:rPr lang="en-US" smtClean="0"/>
+              <a:rPr lang="en-US"/>
               <a:t>Fifth level</a:t>
             </a:r>
             <a:endParaRPr dirty="0"/>
@@ -3749,35 +3656,35 @@
           <a:p>
             <a:pPr lvl="0"/>
             <a:r>
-              <a:rPr lang="en-US" smtClean="0"/>
+              <a:rPr lang="en-US"/>
               <a:t>Click to edit Master text styles</a:t>
             </a:r>
           </a:p>
           <a:p>
             <a:pPr lvl="1"/>
             <a:r>
-              <a:rPr lang="en-US" smtClean="0"/>
+              <a:rPr lang="en-US"/>
               <a:t>Second level</a:t>
             </a:r>
           </a:p>
           <a:p>
             <a:pPr lvl="2"/>
             <a:r>
-              <a:rPr lang="en-US" smtClean="0"/>
+              <a:rPr lang="en-US"/>
               <a:t>Third level</a:t>
             </a:r>
           </a:p>
           <a:p>
             <a:pPr lvl="3"/>
             <a:r>
-              <a:rPr lang="en-US" smtClean="0"/>
+              <a:rPr lang="en-US"/>
               <a:t>Fourth level</a:t>
             </a:r>
           </a:p>
           <a:p>
             <a:pPr lvl="4"/>
             <a:r>
-              <a:rPr lang="en-US" smtClean="0"/>
+              <a:rPr lang="en-US"/>
               <a:t>Fifth level</a:t>
             </a:r>
             <a:endParaRPr dirty="0"/>
@@ -3801,7 +3708,7 @@
           <a:p>
             <a:fld id="{2AEB09BC-4CC8-614F-8CE4-E09D87E31842}" type="datetimeFigureOut">
               <a:rPr lang="en-US" smtClean="0"/>
-              <a:t>12/4/16</a:t>
+              <a:t>12/5/2016</a:t>
             </a:fld>
             <a:endParaRPr lang="en-US"/>
           </a:p>
@@ -3899,7 +3806,7 @@
           </a:lstStyle>
           <a:p>
             <a:r>
-              <a:rPr lang="en-US" smtClean="0"/>
+              <a:rPr lang="en-US"/>
               <a:t>Click to edit Master title style</a:t>
             </a:r>
             <a:endParaRPr/>
@@ -3970,7 +3877,7 @@
           <a:p>
             <a:pPr lvl="0"/>
             <a:r>
-              <a:rPr lang="en-US" smtClean="0"/>
+              <a:rPr lang="en-US"/>
               <a:t>Click to edit Master text styles</a:t>
             </a:r>
           </a:p>
@@ -4028,35 +3935,35 @@
           <a:p>
             <a:pPr lvl="0"/>
             <a:r>
-              <a:rPr lang="en-US" smtClean="0"/>
+              <a:rPr lang="en-US"/>
               <a:t>Click to edit Master text styles</a:t>
             </a:r>
           </a:p>
           <a:p>
             <a:pPr lvl="1"/>
             <a:r>
-              <a:rPr lang="en-US" smtClean="0"/>
+              <a:rPr lang="en-US"/>
               <a:t>Second level</a:t>
             </a:r>
           </a:p>
           <a:p>
             <a:pPr lvl="2"/>
             <a:r>
-              <a:rPr lang="en-US" smtClean="0"/>
+              <a:rPr lang="en-US"/>
               <a:t>Third level</a:t>
             </a:r>
           </a:p>
           <a:p>
             <a:pPr lvl="3"/>
             <a:r>
-              <a:rPr lang="en-US" smtClean="0"/>
+              <a:rPr lang="en-US"/>
               <a:t>Fourth level</a:t>
             </a:r>
           </a:p>
           <a:p>
             <a:pPr lvl="4"/>
             <a:r>
-              <a:rPr lang="en-US" smtClean="0"/>
+              <a:rPr lang="en-US"/>
               <a:t>Fifth level</a:t>
             </a:r>
             <a:endParaRPr dirty="0"/>
@@ -4127,7 +4034,7 @@
           <a:p>
             <a:pPr lvl="0"/>
             <a:r>
-              <a:rPr lang="en-US" smtClean="0"/>
+              <a:rPr lang="en-US"/>
               <a:t>Click to edit Master text styles</a:t>
             </a:r>
           </a:p>
@@ -4185,35 +4092,35 @@
           <a:p>
             <a:pPr lvl="0"/>
             <a:r>
-              <a:rPr lang="en-US" smtClean="0"/>
+              <a:rPr lang="en-US"/>
               <a:t>Click to edit Master text styles</a:t>
             </a:r>
           </a:p>
           <a:p>
             <a:pPr lvl="1"/>
             <a:r>
-              <a:rPr lang="en-US" smtClean="0"/>
+              <a:rPr lang="en-US"/>
               <a:t>Second level</a:t>
             </a:r>
           </a:p>
           <a:p>
             <a:pPr lvl="2"/>
             <a:r>
-              <a:rPr lang="en-US" smtClean="0"/>
+              <a:rPr lang="en-US"/>
               <a:t>Third level</a:t>
             </a:r>
           </a:p>
           <a:p>
             <a:pPr lvl="3"/>
             <a:r>
-              <a:rPr lang="en-US" smtClean="0"/>
+              <a:rPr lang="en-US"/>
               <a:t>Fourth level</a:t>
             </a:r>
           </a:p>
           <a:p>
             <a:pPr lvl="4"/>
             <a:r>
-              <a:rPr lang="en-US" smtClean="0"/>
+              <a:rPr lang="en-US"/>
               <a:t>Fifth level</a:t>
             </a:r>
             <a:endParaRPr dirty="0"/>
@@ -4237,7 +4144,7 @@
           <a:p>
             <a:fld id="{2AEB09BC-4CC8-614F-8CE4-E09D87E31842}" type="datetimeFigureOut">
               <a:rPr lang="en-US" smtClean="0"/>
-              <a:t>12/4/16</a:t>
+              <a:t>12/5/2016</a:t>
             </a:fld>
             <a:endParaRPr lang="en-US"/>
           </a:p>
@@ -4400,7 +4307,7 @@
           <a:lstStyle/>
           <a:p>
             <a:r>
-              <a:rPr lang="en-US" smtClean="0"/>
+              <a:rPr lang="en-US"/>
               <a:t>Click to edit Master title style</a:t>
             </a:r>
             <a:endParaRPr/>
@@ -4424,7 +4331,7 @@
           <a:p>
             <a:fld id="{2AEB09BC-4CC8-614F-8CE4-E09D87E31842}" type="datetimeFigureOut">
               <a:rPr lang="en-US" smtClean="0"/>
-              <a:t>12/4/16</a:t>
+              <a:t>12/5/2016</a:t>
             </a:fld>
             <a:endParaRPr lang="en-US"/>
           </a:p>
@@ -4514,7 +4421,7 @@
           <a:p>
             <a:fld id="{2AEB09BC-4CC8-614F-8CE4-E09D87E31842}" type="datetimeFigureOut">
               <a:rPr lang="en-US" smtClean="0"/>
-              <a:t>12/4/16</a:t>
+              <a:t>12/5/2016</a:t>
             </a:fld>
             <a:endParaRPr lang="en-US"/>
           </a:p>
@@ -4614,7 +4521,7 @@
           </a:lstStyle>
           <a:p>
             <a:r>
-              <a:rPr lang="en-US" smtClean="0"/>
+              <a:rPr lang="en-US"/>
               <a:t>Click to edit Master title style</a:t>
             </a:r>
             <a:endParaRPr/>
@@ -4673,35 +4580,35 @@
           <a:p>
             <a:pPr lvl="0"/>
             <a:r>
-              <a:rPr lang="en-US" smtClean="0"/>
+              <a:rPr lang="en-US"/>
               <a:t>Click to edit Master text styles</a:t>
             </a:r>
           </a:p>
           <a:p>
             <a:pPr lvl="1"/>
             <a:r>
-              <a:rPr lang="en-US" smtClean="0"/>
+              <a:rPr lang="en-US"/>
               <a:t>Second level</a:t>
             </a:r>
           </a:p>
           <a:p>
             <a:pPr lvl="2"/>
             <a:r>
-              <a:rPr lang="en-US" smtClean="0"/>
+              <a:rPr lang="en-US"/>
               <a:t>Third level</a:t>
             </a:r>
           </a:p>
           <a:p>
             <a:pPr lvl="3"/>
             <a:r>
-              <a:rPr lang="en-US" smtClean="0"/>
+              <a:rPr lang="en-US"/>
               <a:t>Fourth level</a:t>
             </a:r>
           </a:p>
           <a:p>
             <a:pPr lvl="4"/>
             <a:r>
-              <a:rPr lang="en-US" smtClean="0"/>
+              <a:rPr lang="en-US"/>
               <a:t>Fifth level</a:t>
             </a:r>
             <a:endParaRPr dirty="0"/>
@@ -4772,7 +4679,7 @@
           <a:p>
             <a:pPr lvl="0"/>
             <a:r>
-              <a:rPr lang="en-US" smtClean="0"/>
+              <a:rPr lang="en-US"/>
               <a:t>Click to edit Master text styles</a:t>
             </a:r>
           </a:p>
@@ -4795,7 +4702,7 @@
           <a:p>
             <a:fld id="{2AEB09BC-4CC8-614F-8CE4-E09D87E31842}" type="datetimeFigureOut">
               <a:rPr lang="en-US" smtClean="0"/>
-              <a:t>12/4/16</a:t>
+              <a:t>12/5/2016</a:t>
             </a:fld>
             <a:endParaRPr lang="en-US"/>
           </a:p>
@@ -4899,7 +4806,7 @@
           <a:lstStyle/>
           <a:p>
             <a:r>
-              <a:rPr lang="en-US" smtClean="0"/>
+              <a:rPr lang="en-US"/>
               <a:t>Click to edit Master title style</a:t>
             </a:r>
             <a:endParaRPr/>
@@ -4933,35 +4840,35 @@
           <a:p>
             <a:pPr lvl="0"/>
             <a:r>
-              <a:rPr lang="en-US" smtClean="0"/>
+              <a:rPr lang="en-US"/>
               <a:t>Click to edit Master text styles</a:t>
             </a:r>
           </a:p>
           <a:p>
             <a:pPr lvl="1"/>
             <a:r>
-              <a:rPr lang="en-US" smtClean="0"/>
+              <a:rPr lang="en-US"/>
               <a:t>Second level</a:t>
             </a:r>
           </a:p>
           <a:p>
             <a:pPr lvl="2"/>
             <a:r>
-              <a:rPr lang="en-US" smtClean="0"/>
+              <a:rPr lang="en-US"/>
               <a:t>Third level</a:t>
             </a:r>
           </a:p>
           <a:p>
             <a:pPr lvl="3"/>
             <a:r>
-              <a:rPr lang="en-US" smtClean="0"/>
+              <a:rPr lang="en-US"/>
               <a:t>Fourth level</a:t>
             </a:r>
           </a:p>
           <a:p>
             <a:pPr lvl="4"/>
             <a:r>
-              <a:rPr lang="en-US" smtClean="0"/>
+              <a:rPr lang="en-US"/>
               <a:t>Fifth level</a:t>
             </a:r>
             <a:endParaRPr dirty="0"/>
@@ -5010,7 +4917,7 @@
           <a:p>
             <a:fld id="{2AEB09BC-4CC8-614F-8CE4-E09D87E31842}" type="datetimeFigureOut">
               <a:rPr lang="en-US" smtClean="0"/>
-              <a:t>12/4/16</a:t>
+              <a:t>12/5/2016</a:t>
             </a:fld>
             <a:endParaRPr lang="en-US"/>
           </a:p>
@@ -5501,23 +5408,19 @@
           <a:lstStyle/>
           <a:p>
             <a:r>
-              <a:rPr lang="en-US" dirty="0" smtClean="0"/>
+              <a:rPr lang="en-US" dirty="0"/>
               <a:t>OCDX</a:t>
             </a:r>
             <a:br>
-              <a:rPr lang="en-US" dirty="0" smtClean="0"/>
+              <a:rPr lang="en-US" dirty="0"/>
             </a:br>
             <a:r>
-              <a:rPr lang="en-US" sz="3200" u="sng" dirty="0" smtClean="0">
+              <a:rPr lang="en-US" sz="3200" u="sng" dirty="0">
                 <a:latin typeface="Imprint MT Shadow" panose="04020605060303030202" pitchFamily="82" charset="0"/>
                 <a:cs typeface="Times New Roman" panose="02020603050405020304" pitchFamily="18" charset="0"/>
               </a:rPr>
               <a:t>The way people share data</a:t>
             </a:r>
-            <a:endParaRPr lang="en-US" sz="3200" u="sng" dirty="0">
-              <a:latin typeface="Imprint MT Shadow" panose="04020605060303030202" pitchFamily="82" charset="0"/>
-              <a:cs typeface="Times New Roman" panose="02020603050405020304" pitchFamily="18" charset="0"/>
-            </a:endParaRPr>
           </a:p>
         </p:txBody>
       </p:sp>
@@ -5543,22 +5446,16 @@
           </a:bodyPr>
           <a:lstStyle/>
           <a:p>
-            <a:endParaRPr lang="en-US" b="1" dirty="0" smtClean="0">
+            <a:endParaRPr lang="en-US" b="1" dirty="0">
               <a:effectLst/>
             </a:endParaRPr>
           </a:p>
           <a:p>
-            <a:r>
-              <a:rPr lang="en-US" b="1" dirty="0" smtClean="0">
-                <a:effectLst/>
-              </a:rPr>
-              <a:t>Team </a:t>
-            </a:r>
             <a:r>
               <a:rPr lang="en-US" b="1" dirty="0">
                 <a:effectLst/>
               </a:rPr>
-              <a:t>4 Members:</a:t>
+              <a:t>Team 4 Members:</a:t>
             </a:r>
           </a:p>
           <a:p>
@@ -5664,13 +5561,6 @@
   <p:clrMapOvr>
     <a:masterClrMapping/>
   </p:clrMapOvr>
-  <p:timing>
-    <p:tnLst>
-      <p:par>
-        <p:cTn id="1" dur="indefinite" restart="never" nodeType="tmRoot"/>
-      </p:par>
-    </p:tnLst>
-  </p:timing>
 </p:sld>
 </file>
 
@@ -5707,10 +5597,9 @@
           <a:lstStyle/>
           <a:p>
             <a:r>
-              <a:rPr lang="en-US" dirty="0" smtClean="0"/>
+              <a:rPr lang="en-US" dirty="0"/>
               <a:t>Deployment</a:t>
             </a:r>
-            <a:endParaRPr lang="en-US" dirty="0"/>
           </a:p>
         </p:txBody>
       </p:sp>
@@ -5733,16 +5622,10 @@
           <a:p>
             <a:pPr lvl="0" fontAlgn="base"/>
             <a:r>
-              <a:rPr lang="en-US" dirty="0" smtClean="0">
-                <a:effectLst/>
-              </a:rPr>
-              <a:t>Hosting </a:t>
-            </a:r>
-            <a:r>
               <a:rPr lang="en-US" dirty="0">
                 <a:effectLst/>
               </a:rPr>
-              <a:t>Platform: </a:t>
+              <a:t>Hosting Platform: </a:t>
             </a:r>
             <a:r>
               <a:rPr lang="en-US" dirty="0">
@@ -5802,7 +5685,7 @@
               <a:t>Database: </a:t>
             </a:r>
             <a:r>
-              <a:rPr lang="en-US" dirty="0" smtClean="0">
+              <a:rPr lang="en-US" dirty="0">
                 <a:effectLst/>
                 <a:hlinkClick r:id="rId5"/>
               </a:rPr>
@@ -5814,24 +5697,12 @@
           </a:p>
           <a:p>
             <a:r>
-              <a:rPr lang="en-US" dirty="0" smtClean="0">
-                <a:effectLst/>
-              </a:rPr>
-              <a:t>Automated </a:t>
-            </a:r>
-            <a:r>
               <a:rPr lang="en-US" dirty="0">
                 <a:effectLst/>
               </a:rPr>
-              <a:t>deployment is enabled by running bash script as </a:t>
-            </a:r>
-            <a:r>
-              <a:rPr lang="en-US" dirty="0" smtClean="0">
-                <a:effectLst/>
-              </a:rPr>
-              <a:t>root, which will </a:t>
-            </a:r>
-            <a:endParaRPr lang="en-US" dirty="0" smtClean="0"/>
+              <a:t>Automated deployment is enabled by running bash script as root, which will </a:t>
+            </a:r>
+            <a:endParaRPr lang="en-US" dirty="0"/>
           </a:p>
           <a:p>
             <a:pPr lvl="1"/>
@@ -5839,16 +5710,10 @@
               <a:rPr lang="en-US" dirty="0">
                 <a:effectLst/>
               </a:rPr>
-              <a:t>install apache2, python, mongo driver, </a:t>
-            </a:r>
-            <a:r>
-              <a:rPr lang="en-US" dirty="0" smtClean="0">
-                <a:effectLst/>
-              </a:rPr>
-              <a:t>Flask and </a:t>
-            </a:r>
-            <a:r>
-              <a:rPr lang="en-US" dirty="0" err="1" smtClean="0">
+              <a:t>install apache2, python, mongo driver, Flask and </a:t>
+            </a:r>
+            <a:r>
+              <a:rPr lang="en-US" dirty="0" err="1">
                 <a:effectLst/>
               </a:rPr>
               <a:t>mongoDB</a:t>
@@ -5860,10 +5725,9 @@
           <a:p>
             <a:pPr lvl="1"/>
             <a:r>
-              <a:rPr lang="en-US" dirty="0" smtClean="0"/>
+              <a:rPr lang="en-US" dirty="0"/>
               <a:t>migrate source code files to localhost</a:t>
             </a:r>
-            <a:endParaRPr lang="en-US" dirty="0" smtClean="0"/>
           </a:p>
         </p:txBody>
       </p:sp>
@@ -5877,13 +5741,6 @@
   <p:clrMapOvr>
     <a:masterClrMapping/>
   </p:clrMapOvr>
-  <p:timing>
-    <p:tnLst>
-      <p:par>
-        <p:cTn id="1" dur="indefinite" restart="never" nodeType="tmRoot"/>
-      </p:par>
-    </p:tnLst>
-  </p:timing>
 </p:sld>
 </file>
 
@@ -5920,10 +5777,9 @@
           <a:lstStyle/>
           <a:p>
             <a:r>
-              <a:rPr lang="en-US" dirty="0" smtClean="0"/>
+              <a:rPr lang="en-US" dirty="0"/>
               <a:t>Testing</a:t>
             </a:r>
-            <a:endParaRPr lang="en-US" dirty="0"/>
           </a:p>
         </p:txBody>
       </p:sp>
@@ -5948,73 +5804,45 @@
           <a:lstStyle/>
           <a:p>
             <a:r>
-              <a:rPr lang="en-US" dirty="0" smtClean="0"/>
+              <a:rPr lang="en-US" dirty="0"/>
               <a:t>Test Cases specified</a:t>
             </a:r>
           </a:p>
           <a:p>
             <a:pPr lvl="1"/>
             <a:r>
-              <a:rPr lang="en-US" dirty="0" smtClean="0"/>
-              <a:t>Unit Tests: Sample manifest is tested on insert, replace, search and delete </a:t>
-            </a:r>
-            <a:r>
               <a:rPr lang="en-US" dirty="0"/>
-              <a:t>functions. </a:t>
-            </a:r>
-            <a:r>
-              <a:rPr lang="en-US" dirty="0" smtClean="0"/>
-              <a:t>(</a:t>
-            </a:r>
-            <a:r>
-              <a:rPr lang="en-US" dirty="0" smtClean="0">
-                <a:hlinkClick r:id="rId2"/>
-              </a:rPr>
-              <a:t>https</a:t>
+              <a:t>Unit Tests: Sample manifest is tested on insert, replace, search and delete functions. (</a:t>
             </a:r>
             <a:r>
               <a:rPr lang="en-US" dirty="0">
                 <a:hlinkClick r:id="rId2"/>
               </a:rPr>
-              <a:t>://</a:t>
-            </a:r>
-            <a:r>
-              <a:rPr lang="en-US" dirty="0" smtClean="0">
-                <a:hlinkClick r:id="rId2"/>
-              </a:rPr>
-              <a:t>github.com/holtwashere/CS4320-FinalProject/blob/master/Source/db/dml_unit_tests.py)</a:t>
-            </a:r>
-            <a:r>
-              <a:rPr lang="en-US" dirty="0" smtClean="0"/>
+              <a:t>https://github.com/holtwashere/CS4320-FinalProject/blob/master/Source/db/dml_unit_tests.py)</a:t>
+            </a:r>
+            <a:r>
+              <a:rPr lang="en-US" dirty="0"/>
               <a:t>     The unit tests considered edge cases. </a:t>
             </a:r>
           </a:p>
           <a:p>
             <a:pPr lvl="1"/>
             <a:r>
-              <a:rPr lang="en-US" dirty="0" smtClean="0"/>
+              <a:rPr lang="en-US" dirty="0"/>
               <a:t>Integration Tests: Tested on upload, edit functions in UI.</a:t>
             </a:r>
           </a:p>
           <a:p>
             <a:r>
-              <a:rPr lang="en-US" dirty="0" smtClean="0"/>
+              <a:rPr lang="en-US" dirty="0"/>
               <a:t>What did you ACTUALLY do to make sure your app basically worked. </a:t>
             </a:r>
           </a:p>
           <a:p>
             <a:pPr lvl="1"/>
             <a:r>
-              <a:rPr lang="en-US" dirty="0" smtClean="0"/>
-              <a:t>Click around all the </a:t>
-            </a:r>
-            <a:r>
-              <a:rPr lang="en-US" dirty="0" smtClean="0"/>
-              <a:t>buttons </a:t>
-            </a:r>
-            <a:r>
-              <a:rPr lang="en-US" dirty="0" smtClean="0"/>
-              <a:t>in UI to make sure everything works as expected.</a:t>
+              <a:rPr lang="en-US" dirty="0"/>
+              <a:t>Click around all the buttons in UI to make sure everything works as expected.</a:t>
             </a:r>
           </a:p>
         </p:txBody>
@@ -6029,13 +5857,6 @@
   <p:clrMapOvr>
     <a:masterClrMapping/>
   </p:clrMapOvr>
-  <p:timing>
-    <p:tnLst>
-      <p:par>
-        <p:cTn id="1" dur="indefinite" restart="never" nodeType="tmRoot"/>
-      </p:par>
-    </p:tnLst>
-  </p:timing>
 </p:sld>
 </file>
 
@@ -6074,10 +5895,9 @@
           <a:lstStyle/>
           <a:p>
             <a:r>
-              <a:rPr lang="en-US" dirty="0" smtClean="0"/>
+              <a:rPr lang="en-US" dirty="0"/>
               <a:t>Putting it all Together: Sprint 4 &amp; .. 5..?</a:t>
             </a:r>
-            <a:endParaRPr lang="en-US" dirty="0"/>
           </a:p>
         </p:txBody>
       </p:sp>
@@ -6097,44 +5917,28 @@
           <a:lstStyle/>
           <a:p>
             <a:r>
-              <a:rPr lang="en-US" dirty="0" smtClean="0"/>
-              <a:t>Where is your project at</a:t>
-            </a:r>
-            <a:r>
               <a:rPr lang="en-US" dirty="0"/>
-              <a:t>? </a:t>
-            </a:r>
-            <a:r>
-              <a:rPr lang="en-US" dirty="0" smtClean="0"/>
-              <a:t>(http</a:t>
+              <a:t>Where is your project at? (http://ec2-35-164-234-183.us-west-2.compute.amazonaws.com/</a:t>
+            </a:r>
+            <a:r>
+              <a:rPr lang="en-US" dirty="0" err="1"/>
+              <a:t>browse.html</a:t>
             </a:r>
             <a:r>
               <a:rPr lang="en-US" dirty="0"/>
-              <a:t>://</a:t>
-            </a:r>
-            <a:r>
-              <a:rPr lang="en-US" dirty="0" smtClean="0"/>
-              <a:t>ec2-35-164-234-183.us-west-2.compute.amazonaws.com/</a:t>
-            </a:r>
-            <a:r>
-              <a:rPr lang="en-US" dirty="0" err="1" smtClean="0"/>
-              <a:t>browse.html</a:t>
-            </a:r>
-            <a:r>
-              <a:rPr lang="en-US" dirty="0" smtClean="0"/>
               <a:t>)</a:t>
             </a:r>
           </a:p>
           <a:p>
             <a:r>
-              <a:rPr lang="en-US" dirty="0" smtClean="0"/>
+              <a:rPr lang="en-US" dirty="0"/>
               <a:t>What remains to be done?</a:t>
             </a:r>
           </a:p>
           <a:p>
             <a:pPr lvl="1"/>
             <a:r>
-              <a:rPr lang="en-US" dirty="0" smtClean="0">
+              <a:rPr lang="en-US" dirty="0">
                 <a:solidFill>
                   <a:srgbClr val="FF0000"/>
                 </a:solidFill>
@@ -6145,7 +5949,7 @@
           <a:p>
             <a:pPr lvl="1"/>
             <a:r>
-              <a:rPr lang="en-US" dirty="0" smtClean="0">
+              <a:rPr lang="en-US" dirty="0">
                 <a:solidFill>
                   <a:srgbClr val="FF0000"/>
                 </a:solidFill>
@@ -6165,13 +5969,6 @@
   <p:clrMapOvr>
     <a:masterClrMapping/>
   </p:clrMapOvr>
-  <p:timing>
-    <p:tnLst>
-      <p:par>
-        <p:cTn id="1" dur="indefinite" restart="never" nodeType="tmRoot"/>
-      </p:par>
-    </p:tnLst>
-  </p:timing>
 </p:sld>
 </file>
 
@@ -6210,10 +6007,9 @@
           <a:lstStyle/>
           <a:p>
             <a:r>
-              <a:rPr lang="en-US" dirty="0" smtClean="0"/>
+              <a:rPr lang="en-US" dirty="0"/>
               <a:t>Reflections on Software Engineering &amp; This Project</a:t>
             </a:r>
-            <a:endParaRPr lang="en-US" dirty="0"/>
           </a:p>
         </p:txBody>
       </p:sp>
@@ -6233,34 +6029,34 @@
           <a:lstStyle/>
           <a:p>
             <a:r>
-              <a:rPr lang="en-US" dirty="0" smtClean="0"/>
+              <a:rPr lang="en-US" dirty="0"/>
               <a:t>Software engineering is human. And procedural. Describe your experiences</a:t>
             </a:r>
           </a:p>
           <a:p>
             <a:pPr lvl="1"/>
             <a:r>
-              <a:rPr lang="en-US" dirty="0" smtClean="0"/>
+              <a:rPr lang="en-US" dirty="0"/>
               <a:t>Cooperation is very important.</a:t>
             </a:r>
           </a:p>
           <a:p>
             <a:pPr lvl="1"/>
             <a:r>
-              <a:rPr lang="en-US" dirty="0" smtClean="0"/>
+              <a:rPr lang="en-US" dirty="0"/>
               <a:t>Always begin to work at least two days before deadline.</a:t>
             </a:r>
           </a:p>
           <a:p>
             <a:r>
-              <a:rPr lang="en-US" dirty="0" smtClean="0"/>
+              <a:rPr lang="en-US" dirty="0"/>
               <a:t>What would your team do differently next time?</a:t>
             </a:r>
           </a:p>
           <a:p>
             <a:pPr lvl="1"/>
             <a:r>
-              <a:rPr lang="en-US" dirty="0" smtClean="0">
+              <a:rPr lang="en-US" dirty="0">
                 <a:solidFill>
                   <a:srgbClr val="FF0000"/>
                 </a:solidFill>
@@ -6270,7 +6066,7 @@
           </a:p>
           <a:p>
             <a:pPr lvl="1"/>
-            <a:endParaRPr lang="en-US" dirty="0" smtClean="0"/>
+            <a:endParaRPr lang="en-US" dirty="0"/>
           </a:p>
         </p:txBody>
       </p:sp>
@@ -6284,13 +6080,6 @@
   <p:clrMapOvr>
     <a:masterClrMapping/>
   </p:clrMapOvr>
-  <p:timing>
-    <p:tnLst>
-      <p:par>
-        <p:cTn id="1" dur="indefinite" restart="never" nodeType="tmRoot"/>
-      </p:par>
-    </p:tnLst>
-  </p:timing>
 </p:sld>
 </file>
 
@@ -6327,10 +6116,9 @@
           <a:lstStyle/>
           <a:p>
             <a:r>
-              <a:rPr lang="en-US" dirty="0" smtClean="0"/>
+              <a:rPr lang="en-US" dirty="0"/>
               <a:t>Requirements</a:t>
             </a:r>
-            <a:endParaRPr lang="en-US" dirty="0"/>
           </a:p>
         </p:txBody>
       </p:sp>
@@ -6357,80 +6145,28 @@
           <a:lstStyle/>
           <a:p>
             <a:r>
-              <a:rPr lang="en-US" dirty="0" smtClean="0"/>
-              <a:t>OCDX will fulfil the requirements of data scientists for </a:t>
-            </a:r>
-            <a:r>
               <a:rPr lang="en-US" dirty="0"/>
-              <a:t>storing, describing, analyzing, and sharing datasets. </a:t>
-            </a:r>
-            <a:endParaRPr lang="en-US" dirty="0" smtClean="0"/>
+              <a:t>OCDX will fulfil the requirements of data scientists for storing, describing, analyzing, and sharing datasets. </a:t>
+            </a:r>
           </a:p>
           <a:p>
             <a:pPr lvl="1" fontAlgn="base"/>
-            <a:r>
-              <a:rPr lang="en-US" dirty="0" smtClean="0">
-                <a:effectLst/>
-              </a:rPr>
-              <a:t>Online </a:t>
-            </a:r>
             <a:r>
               <a:rPr lang="en-US" dirty="0">
                 <a:effectLst/>
               </a:rPr>
-              <a:t>behavior creates an enormous amount of digital </a:t>
-            </a:r>
-            <a:r>
-              <a:rPr lang="en-US" dirty="0" smtClean="0">
-                <a:effectLst/>
-              </a:rPr>
-              <a:t>data that </a:t>
+              <a:t>Online behavior creates an enormous amount of digital data that can be used for social science research.</a:t>
+            </a:r>
+            <a:r>
+              <a:rPr lang="en-US" dirty="0"/>
+              <a:t> There is a large amount of interest in knowing how humans interact with technology, but in most cases data scientists only have access to data they mine from their users. This system will facilitate the data exchange by allowing </a:t>
             </a:r>
             <a:r>
               <a:rPr lang="en-US" dirty="0">
                 <a:effectLst/>
               </a:rPr>
-              <a:t>can be used for social science research</a:t>
-            </a:r>
-            <a:r>
-              <a:rPr lang="en-US" dirty="0" smtClean="0">
-                <a:effectLst/>
-              </a:rPr>
-              <a:t>.</a:t>
-            </a:r>
-            <a:r>
-              <a:rPr lang="en-US" dirty="0"/>
-              <a:t> </a:t>
-            </a:r>
-            <a:r>
-              <a:rPr lang="en-US" dirty="0" smtClean="0"/>
-              <a:t>There </a:t>
-            </a:r>
-            <a:r>
-              <a:rPr lang="en-US" dirty="0"/>
-              <a:t>is a large amount of interest in knowing how humans interact with </a:t>
-            </a:r>
-            <a:r>
-              <a:rPr lang="en-US" dirty="0" smtClean="0"/>
-              <a:t>technology, but in most cases data scientists only have </a:t>
-            </a:r>
-            <a:r>
-              <a:rPr lang="en-US" dirty="0"/>
-              <a:t>access to data they mine from their users. </a:t>
-            </a:r>
-            <a:r>
-              <a:rPr lang="en-US" dirty="0" smtClean="0"/>
-              <a:t>This system will facilitate the data exchange by allowing </a:t>
-            </a:r>
-            <a:r>
-              <a:rPr lang="en-US" dirty="0" smtClean="0">
-                <a:effectLst/>
-              </a:rPr>
               <a:t>an input, retrieving and edition of manifest by users.</a:t>
             </a:r>
-            <a:endParaRPr lang="en-US" dirty="0">
-              <a:effectLst/>
-            </a:endParaRPr>
           </a:p>
         </p:txBody>
       </p:sp>
@@ -7157,7 +6893,7 @@
               <a:buNone/>
             </a:pPr>
             <a:r>
-              <a:rPr lang="en-US" dirty="0" smtClean="0"/>
+              <a:rPr lang="en-US" dirty="0"/>
               <a:t>Manifest</a:t>
             </a:r>
             <a:endParaRPr lang="en-US" dirty="0">
@@ -7410,7 +7146,7 @@
               <a:buNone/>
             </a:pPr>
             <a:r>
-              <a:rPr lang="en-US" dirty="0" smtClean="0"/>
+              <a:rPr lang="en-US" dirty="0"/>
               <a:t>Data</a:t>
             </a:r>
             <a:endParaRPr lang="en-US" dirty="0">
@@ -7429,13 +7165,6 @@
   <p:clrMapOvr>
     <a:masterClrMapping/>
   </p:clrMapOvr>
-  <p:timing>
-    <p:tnLst>
-      <p:par>
-        <p:cTn id="1" dur="indefinite" restart="never" nodeType="tmRoot"/>
-      </p:par>
-    </p:tnLst>
-  </p:timing>
 </p:sld>
 </file>
 
@@ -7472,10 +7201,9 @@
           <a:lstStyle/>
           <a:p>
             <a:r>
-              <a:rPr lang="en-US" dirty="0" smtClean="0"/>
+              <a:rPr lang="en-US" dirty="0"/>
               <a:t>Sprint One</a:t>
             </a:r>
-            <a:endParaRPr lang="en-US" dirty="0"/>
           </a:p>
         </p:txBody>
       </p:sp>
@@ -7502,43 +7230,43 @@
           <a:lstStyle/>
           <a:p>
             <a:r>
-              <a:rPr lang="en-US" dirty="0" smtClean="0"/>
+              <a:rPr lang="en-US" dirty="0"/>
               <a:t>What went well?</a:t>
             </a:r>
           </a:p>
           <a:p>
             <a:pPr lvl="1"/>
             <a:r>
-              <a:rPr lang="en-US" dirty="0" smtClean="0"/>
+              <a:rPr lang="en-US" dirty="0"/>
               <a:t>Homepage UI is created based on </a:t>
             </a:r>
             <a:r>
-              <a:rPr lang="en-US" i="1" dirty="0" smtClean="0"/>
+              <a:rPr lang="en-US" i="1" dirty="0"/>
               <a:t>Materialize</a:t>
             </a:r>
             <a:r>
-              <a:rPr lang="en-US" dirty="0" smtClean="0"/>
+              <a:rPr lang="en-US" dirty="0"/>
               <a:t> framework.</a:t>
             </a:r>
           </a:p>
           <a:p>
             <a:pPr lvl="1"/>
             <a:r>
-              <a:rPr lang="en-US" dirty="0" smtClean="0"/>
+              <a:rPr lang="en-US" dirty="0"/>
               <a:t>Backend designs:</a:t>
             </a:r>
           </a:p>
           <a:p>
             <a:pPr lvl="2"/>
             <a:r>
-              <a:rPr lang="en-US" dirty="0" smtClean="0"/>
+              <a:rPr lang="en-US" dirty="0"/>
               <a:t>MongoDB is used for database</a:t>
             </a:r>
           </a:p>
           <a:p>
             <a:pPr lvl="2"/>
             <a:r>
-              <a:rPr lang="en-US" dirty="0" smtClean="0"/>
+              <a:rPr lang="en-US" dirty="0"/>
               <a:t>PHP will be used for business logic</a:t>
             </a:r>
           </a:p>
@@ -7548,40 +7276,31 @@
               <a:rPr lang="en-US" dirty="0"/>
               <a:t>All testing are considered. </a:t>
             </a:r>
-            <a:endParaRPr lang="en-US" dirty="0" smtClean="0"/>
           </a:p>
           <a:p>
             <a:pPr lvl="1"/>
             <a:r>
-              <a:rPr lang="en-US" dirty="0" smtClean="0"/>
-              <a:t>The </a:t>
-            </a:r>
-            <a:r>
               <a:rPr lang="en-US" dirty="0"/>
-              <a:t>website is deployed on Amazon Web Services</a:t>
-            </a:r>
-            <a:r>
-              <a:rPr lang="en-US" dirty="0" smtClean="0"/>
-              <a:t>.</a:t>
-            </a:r>
-          </a:p>
-          <a:p>
-            <a:r>
-              <a:rPr lang="en-US" dirty="0" smtClean="0"/>
+              <a:t>The website is deployed on Amazon Web Services.</a:t>
+            </a:r>
+          </a:p>
+          <a:p>
+            <a:r>
+              <a:rPr lang="en-US" dirty="0"/>
               <a:t>What did not go well?</a:t>
             </a:r>
           </a:p>
           <a:p>
             <a:pPr lvl="1"/>
             <a:r>
-              <a:rPr lang="en-US" dirty="0" smtClean="0"/>
+              <a:rPr lang="en-US" dirty="0"/>
               <a:t>The latest PHP is not compatible with MongoDB</a:t>
             </a:r>
           </a:p>
           <a:p>
             <a:pPr lvl="2"/>
             <a:r>
-              <a:rPr lang="en-US" dirty="0" smtClean="0"/>
+              <a:rPr lang="en-US" dirty="0"/>
               <a:t>Solution: python is used to replace ALL PHP functions.</a:t>
             </a:r>
           </a:p>
@@ -7597,13 +7316,6 @@
   <p:clrMapOvr>
     <a:masterClrMapping/>
   </p:clrMapOvr>
-  <p:timing>
-    <p:tnLst>
-      <p:par>
-        <p:cTn id="1" dur="indefinite" restart="never" nodeType="tmRoot"/>
-      </p:par>
-    </p:tnLst>
-  </p:timing>
 </p:sld>
 </file>
 
@@ -7640,10 +7352,9 @@
           <a:lstStyle/>
           <a:p>
             <a:r>
-              <a:rPr lang="en-US" dirty="0" smtClean="0"/>
+              <a:rPr lang="en-US" dirty="0"/>
               <a:t>Sprints 2 &amp; 3</a:t>
             </a:r>
-            <a:endParaRPr lang="en-US" dirty="0"/>
           </a:p>
         </p:txBody>
       </p:sp>
@@ -7665,48 +7376,48 @@
           <a:lstStyle/>
           <a:p>
             <a:r>
-              <a:rPr lang="en-US" dirty="0" smtClean="0"/>
+              <a:rPr lang="en-US" dirty="0"/>
               <a:t>Tell the story of how your team improved</a:t>
             </a:r>
           </a:p>
           <a:p>
             <a:pPr lvl="1"/>
             <a:r>
-              <a:rPr lang="en-US" dirty="0" smtClean="0"/>
+              <a:rPr lang="en-US" dirty="0"/>
               <a:t>The navigation bar allows easy access to browse, upload and edit pages. </a:t>
             </a:r>
           </a:p>
           <a:p>
             <a:pPr lvl="1"/>
             <a:r>
-              <a:rPr lang="en-US" dirty="0" smtClean="0"/>
+              <a:rPr lang="en-US" dirty="0"/>
               <a:t>Users can login with Google account.</a:t>
             </a:r>
           </a:p>
           <a:p>
             <a:pPr lvl="1"/>
             <a:r>
-              <a:rPr lang="en-US" dirty="0" smtClean="0"/>
+              <a:rPr lang="en-US" dirty="0"/>
               <a:t>Backend functions are finished as well as unit tests</a:t>
             </a:r>
           </a:p>
           <a:p>
             <a:r>
-              <a:rPr lang="en-US" dirty="0" smtClean="0"/>
+              <a:rPr lang="en-US" dirty="0"/>
               <a:t>Tell the story of problems you continued to encounter</a:t>
             </a:r>
           </a:p>
           <a:p>
             <a:pPr lvl="1"/>
             <a:r>
-              <a:rPr lang="en-US" dirty="0" smtClean="0"/>
+              <a:rPr lang="en-US" dirty="0"/>
               <a:t>JQuery is used to replace the PHP to include other files, the CSS is not applied immediately when refresh the page.</a:t>
             </a:r>
           </a:p>
           <a:p>
             <a:pPr lvl="2"/>
             <a:r>
-              <a:rPr lang="en-US" dirty="0" smtClean="0"/>
+              <a:rPr lang="en-US" dirty="0"/>
               <a:t>Solution: After change JS format for Flask, the problem is gone.</a:t>
             </a:r>
           </a:p>
@@ -7722,13 +7433,6 @@
   <p:clrMapOvr>
     <a:masterClrMapping/>
   </p:clrMapOvr>
-  <p:timing>
-    <p:tnLst>
-      <p:par>
-        <p:cTn id="1" dur="indefinite" restart="never" nodeType="tmRoot"/>
-      </p:par>
-    </p:tnLst>
-  </p:timing>
 </p:sld>
 </file>
 
@@ -7751,68 +7455,196 @@
       </p:grpSpPr>
       <p:sp>
         <p:nvSpPr>
-          <p:cNvPr id="2" name="Title 1"/>
-          <p:cNvSpPr>
-            <a:spLocks noGrp="1"/>
-          </p:cNvSpPr>
-          <p:nvPr>
-            <p:ph type="title"/>
-          </p:nvPr>
-        </p:nvSpPr>
-        <p:spPr/>
-        <p:txBody>
-          <a:bodyPr>
-            <a:normAutofit fontScale="90000"/>
-          </a:bodyPr>
-          <a:lstStyle/>
-          <a:p>
-            <a:r>
-              <a:rPr lang="en-US" dirty="0" smtClean="0"/>
-              <a:t>Design: Our Approach to Data</a:t>
-            </a:r>
-            <a:endParaRPr lang="en-US" dirty="0"/>
-          </a:p>
-        </p:txBody>
-      </p:sp>
-      <p:sp>
-        <p:nvSpPr>
-          <p:cNvPr id="3" name="Content Placeholder 2"/>
-          <p:cNvSpPr>
-            <a:spLocks noGrp="1"/>
-          </p:cNvSpPr>
-          <p:nvPr>
-            <p:ph idx="1"/>
-          </p:nvPr>
+          <p:cNvPr id="23" name="Rectangle 22"/>
+          <p:cNvSpPr/>
+          <p:nvPr/>
         </p:nvSpPr>
         <p:spPr>
           <a:xfrm>
-            <a:off x="596689" y="2318028"/>
-            <a:ext cx="7770813" cy="4257022"/>
+            <a:off x="5838609" y="4504894"/>
+            <a:ext cx="3154187" cy="2074859"/>
           </a:xfrm>
+          <a:prstGeom prst="rect">
+            <a:avLst/>
+          </a:prstGeom>
         </p:spPr>
-        <p:txBody>
-          <a:bodyPr/>
+        <p:style>
+          <a:lnRef idx="2">
+            <a:schemeClr val="accent6"/>
+          </a:lnRef>
+          <a:fillRef idx="1">
+            <a:schemeClr val="lt1"/>
+          </a:fillRef>
+          <a:effectRef idx="0">
+            <a:schemeClr val="accent6"/>
+          </a:effectRef>
+          <a:fontRef idx="minor">
+            <a:schemeClr val="dk1"/>
+          </a:fontRef>
+        </p:style>
+        <p:txBody>
+          <a:bodyPr rtlCol="0" anchor="ctr"/>
           <a:lstStyle/>
           <a:p>
-            <a:r>
-              <a:rPr lang="en-US" dirty="0" smtClean="0"/>
-              <a:t>ERD</a:t>
-            </a:r>
-          </a:p>
-        </p:txBody>
-      </p:sp>
-      <p:sp>
-        <p:nvSpPr>
-          <p:cNvPr id="4" name="Flowchart: Magnetic Disk 1"/>
+            <a:pPr algn="ctr" defTabSz="685800"/>
+            <a:r>
+              <a:rPr lang="en-US" kern="0" dirty="0" err="1">
+                <a:solidFill>
+                  <a:sysClr val="windowText" lastClr="000000"/>
+                </a:solidFill>
+              </a:rPr>
+              <a:t>Fs.chunks</a:t>
+            </a:r>
+            <a:endParaRPr lang="en-US" kern="0" dirty="0">
+              <a:solidFill>
+                <a:sysClr val="windowText" lastClr="000000"/>
+              </a:solidFill>
+            </a:endParaRPr>
+          </a:p>
+          <a:p>
+            <a:pPr defTabSz="685800"/>
+            <a:r>
+              <a:rPr lang="en-US" sz="1400" kern="0" dirty="0">
+                <a:solidFill>
+                  <a:sysClr val="windowText" lastClr="000000"/>
+                </a:solidFill>
+              </a:rPr>
+              <a:t>{</a:t>
+            </a:r>
+          </a:p>
+          <a:p>
+            <a:pPr defTabSz="685800"/>
+            <a:r>
+              <a:rPr lang="en-US" sz="1400" kern="0" dirty="0">
+                <a:solidFill>
+                  <a:sysClr val="windowText" lastClr="000000"/>
+                </a:solidFill>
+              </a:rPr>
+              <a:t>  "_id" : &lt;</a:t>
+            </a:r>
+            <a:r>
+              <a:rPr lang="en-US" sz="1400" kern="0" dirty="0" err="1">
+                <a:solidFill>
+                  <a:sysClr val="windowText" lastClr="000000"/>
+                </a:solidFill>
+              </a:rPr>
+              <a:t>ObjectId</a:t>
+            </a:r>
+            <a:r>
+              <a:rPr lang="en-US" sz="1400" kern="0" dirty="0">
+                <a:solidFill>
+                  <a:sysClr val="windowText" lastClr="000000"/>
+                </a:solidFill>
+              </a:rPr>
+              <a:t>&gt;, Required</a:t>
+            </a:r>
+          </a:p>
+          <a:p>
+            <a:pPr defTabSz="685800"/>
+            <a:r>
+              <a:rPr lang="en-US" sz="1400" kern="0" dirty="0">
+                <a:solidFill>
+                  <a:sysClr val="windowText" lastClr="000000"/>
+                </a:solidFill>
+              </a:rPr>
+              <a:t>  "</a:t>
+            </a:r>
+            <a:r>
+              <a:rPr lang="en-US" sz="1400" kern="0" dirty="0" err="1">
+                <a:solidFill>
+                  <a:sysClr val="windowText" lastClr="000000"/>
+                </a:solidFill>
+              </a:rPr>
+              <a:t>files_id</a:t>
+            </a:r>
+            <a:r>
+              <a:rPr lang="en-US" sz="1400" kern="0" dirty="0">
+                <a:solidFill>
+                  <a:sysClr val="windowText" lastClr="000000"/>
+                </a:solidFill>
+              </a:rPr>
+              <a:t>" : &lt;</a:t>
+            </a:r>
+            <a:r>
+              <a:rPr lang="en-US" sz="1400" kern="0" dirty="0" err="1">
+                <a:solidFill>
+                  <a:sysClr val="windowText" lastClr="000000"/>
+                </a:solidFill>
+              </a:rPr>
+              <a:t>ObjectId</a:t>
+            </a:r>
+            <a:r>
+              <a:rPr lang="en-US" sz="1400" kern="0" dirty="0">
+                <a:solidFill>
+                  <a:sysClr val="windowText" lastClr="000000"/>
+                </a:solidFill>
+              </a:rPr>
+              <a:t>&gt;, Required</a:t>
+            </a:r>
+          </a:p>
+          <a:p>
+            <a:pPr defTabSz="685800"/>
+            <a:r>
+              <a:rPr lang="en-US" sz="1400" kern="0" dirty="0">
+                <a:solidFill>
+                  <a:sysClr val="windowText" lastClr="000000"/>
+                </a:solidFill>
+              </a:rPr>
+              <a:t>  "n" : &lt;</a:t>
+            </a:r>
+            <a:r>
+              <a:rPr lang="en-US" sz="1400" kern="0" dirty="0" err="1">
+                <a:solidFill>
+                  <a:sysClr val="windowText" lastClr="000000"/>
+                </a:solidFill>
+              </a:rPr>
+              <a:t>num</a:t>
+            </a:r>
+            <a:r>
+              <a:rPr lang="en-US" sz="1400" kern="0" dirty="0">
+                <a:solidFill>
+                  <a:sysClr val="windowText" lastClr="000000"/>
+                </a:solidFill>
+              </a:rPr>
+              <a:t>&gt;, Required</a:t>
+            </a:r>
+          </a:p>
+          <a:p>
+            <a:pPr defTabSz="685800"/>
+            <a:r>
+              <a:rPr lang="en-US" sz="1400" kern="0" dirty="0">
+                <a:solidFill>
+                  <a:sysClr val="windowText" lastClr="000000"/>
+                </a:solidFill>
+              </a:rPr>
+              <a:t>  "data" : &lt;binary&gt; Required</a:t>
+            </a:r>
+          </a:p>
+          <a:p>
+            <a:pPr defTabSz="685800"/>
+            <a:r>
+              <a:rPr lang="en-US" sz="1400" kern="0" dirty="0">
+                <a:solidFill>
+                  <a:sysClr val="windowText" lastClr="000000"/>
+                </a:solidFill>
+              </a:rPr>
+              <a:t>}</a:t>
+            </a:r>
+          </a:p>
+        </p:txBody>
+      </p:sp>
+      <p:sp>
+        <p:nvSpPr>
+          <p:cNvPr id="26" name="Rectangle 25"/>
           <p:cNvSpPr/>
           <p:nvPr/>
         </p:nvSpPr>
         <p:spPr>
           <a:xfrm>
-            <a:off x="3331167" y="1351676"/>
-            <a:ext cx="2107277" cy="2637212"/>
+            <a:off x="5671711" y="81691"/>
+            <a:ext cx="3154187" cy="2889908"/>
           </a:xfrm>
-          <a:prstGeom prst="flowChartMagneticDisk">
+          <a:prstGeom prst="rect">
             <a:avLst/>
           </a:prstGeom>
         </p:spPr>
@@ -7834,151 +7666,251 @@
           <a:bodyPr rtlCol="0" anchor="ctr"/>
           <a:lstStyle/>
           <a:p>
-            <a:pPr algn="ctr"/>
-            <a:r>
-              <a:rPr lang="en-US" sz="1350" dirty="0" err="1"/>
+            <a:pPr algn="ctr" defTabSz="685800"/>
+            <a:r>
+              <a:rPr lang="en-US" kern="0" dirty="0" err="1">
+                <a:solidFill>
+                  <a:sysClr val="windowText" lastClr="000000"/>
+                </a:solidFill>
+              </a:rPr>
               <a:t>Fs.files</a:t>
             </a:r>
-            <a:endParaRPr lang="en-US" sz="1350" dirty="0"/>
-          </a:p>
-          <a:p>
-            <a:pPr lvl="1"/>
-            <a:endParaRPr lang="en-US" sz="900" dirty="0"/>
-          </a:p>
-          <a:p>
-            <a:pPr lvl="1"/>
-            <a:endParaRPr lang="en-US" sz="900" dirty="0"/>
-          </a:p>
-          <a:p>
-            <a:pPr lvl="1"/>
-            <a:r>
-              <a:rPr lang="en-US" sz="788" dirty="0"/>
+            <a:endParaRPr lang="en-US" kern="0" dirty="0">
+              <a:solidFill>
+                <a:sysClr val="windowText" lastClr="000000"/>
+              </a:solidFill>
+            </a:endParaRPr>
+          </a:p>
+          <a:p>
+            <a:pPr defTabSz="685800"/>
+            <a:r>
+              <a:rPr lang="en-US" sz="1400" kern="0" dirty="0">
+                <a:solidFill>
+                  <a:sysClr val="windowText" lastClr="000000"/>
+                </a:solidFill>
+              </a:rPr>
               <a:t>{</a:t>
             </a:r>
           </a:p>
           <a:p>
-            <a:pPr lvl="1"/>
-            <a:r>
-              <a:rPr lang="en-US" sz="788" dirty="0"/>
+            <a:pPr defTabSz="685800"/>
+            <a:r>
+              <a:rPr lang="en-US" sz="1400" kern="0" dirty="0">
+                <a:solidFill>
+                  <a:sysClr val="windowText" lastClr="000000"/>
+                </a:solidFill>
+              </a:rPr>
               <a:t>  "_id" : &lt;</a:t>
             </a:r>
             <a:r>
-              <a:rPr lang="en-US" sz="788" dirty="0" err="1"/>
+              <a:rPr lang="en-US" sz="1400" kern="0" dirty="0" err="1">
+                <a:solidFill>
+                  <a:sysClr val="windowText" lastClr="000000"/>
+                </a:solidFill>
+              </a:rPr>
               <a:t>ObjectId</a:t>
             </a:r>
             <a:r>
-              <a:rPr lang="en-US" sz="788" dirty="0"/>
+              <a:rPr lang="en-US" sz="1400" kern="0" dirty="0">
+                <a:solidFill>
+                  <a:sysClr val="windowText" lastClr="000000"/>
+                </a:solidFill>
+              </a:rPr>
               <a:t>&gt;, Required</a:t>
             </a:r>
           </a:p>
           <a:p>
-            <a:pPr lvl="1"/>
-            <a:r>
-              <a:rPr lang="en-US" sz="788" dirty="0"/>
+            <a:pPr defTabSz="685800"/>
+            <a:r>
+              <a:rPr lang="en-US" sz="1400" kern="0" dirty="0">
+                <a:solidFill>
+                  <a:sysClr val="windowText" lastClr="000000"/>
+                </a:solidFill>
+              </a:rPr>
               <a:t>  "length" : &lt;</a:t>
             </a:r>
             <a:r>
-              <a:rPr lang="en-US" sz="788" dirty="0" err="1"/>
+              <a:rPr lang="en-US" sz="1400" kern="0" dirty="0" err="1">
+                <a:solidFill>
+                  <a:sysClr val="windowText" lastClr="000000"/>
+                </a:solidFill>
+              </a:rPr>
               <a:t>num</a:t>
             </a:r>
             <a:r>
-              <a:rPr lang="en-US" sz="788" dirty="0"/>
+              <a:rPr lang="en-US" sz="1400" kern="0" dirty="0">
+                <a:solidFill>
+                  <a:sysClr val="windowText" lastClr="000000"/>
+                </a:solidFill>
+              </a:rPr>
               <a:t>&gt;, Required</a:t>
             </a:r>
           </a:p>
           <a:p>
-            <a:pPr lvl="1"/>
-            <a:r>
-              <a:rPr lang="en-US" sz="788" dirty="0"/>
+            <a:pPr defTabSz="685800"/>
+            <a:r>
+              <a:rPr lang="en-US" sz="1400" kern="0" dirty="0">
+                <a:solidFill>
+                  <a:sysClr val="windowText" lastClr="000000"/>
+                </a:solidFill>
+              </a:rPr>
               <a:t>  "</a:t>
             </a:r>
             <a:r>
-              <a:rPr lang="en-US" sz="788" dirty="0" err="1"/>
+              <a:rPr lang="en-US" sz="1400" kern="0" dirty="0" err="1">
+                <a:solidFill>
+                  <a:sysClr val="windowText" lastClr="000000"/>
+                </a:solidFill>
+              </a:rPr>
               <a:t>chunkSize</a:t>
             </a:r>
             <a:r>
-              <a:rPr lang="en-US" sz="788" dirty="0"/>
+              <a:rPr lang="en-US" sz="1400" kern="0" dirty="0">
+                <a:solidFill>
+                  <a:sysClr val="windowText" lastClr="000000"/>
+                </a:solidFill>
+              </a:rPr>
               <a:t>" : &lt;</a:t>
             </a:r>
             <a:r>
-              <a:rPr lang="en-US" sz="788" dirty="0" err="1"/>
+              <a:rPr lang="en-US" sz="1400" kern="0" dirty="0" err="1">
+                <a:solidFill>
+                  <a:sysClr val="windowText" lastClr="000000"/>
+                </a:solidFill>
+              </a:rPr>
               <a:t>num</a:t>
             </a:r>
             <a:r>
-              <a:rPr lang="en-US" sz="788" dirty="0"/>
+              <a:rPr lang="en-US" sz="1400" kern="0" dirty="0">
+                <a:solidFill>
+                  <a:sysClr val="windowText" lastClr="000000"/>
+                </a:solidFill>
+              </a:rPr>
               <a:t>&gt;, Required</a:t>
             </a:r>
           </a:p>
           <a:p>
-            <a:pPr lvl="1"/>
-            <a:r>
-              <a:rPr lang="en-US" sz="788" dirty="0"/>
+            <a:pPr defTabSz="685800"/>
+            <a:r>
+              <a:rPr lang="en-US" sz="1400" kern="0" dirty="0">
+                <a:solidFill>
+                  <a:sysClr val="windowText" lastClr="000000"/>
+                </a:solidFill>
+              </a:rPr>
               <a:t>  "</a:t>
             </a:r>
             <a:r>
-              <a:rPr lang="en-US" sz="788" dirty="0" err="1"/>
+              <a:rPr lang="en-US" sz="1400" kern="0" dirty="0" err="1">
+                <a:solidFill>
+                  <a:sysClr val="windowText" lastClr="000000"/>
+                </a:solidFill>
+              </a:rPr>
               <a:t>uploadDate</a:t>
             </a:r>
             <a:r>
-              <a:rPr lang="en-US" sz="788" dirty="0"/>
+              <a:rPr lang="en-US" sz="1400" kern="0" dirty="0">
+                <a:solidFill>
+                  <a:sysClr val="windowText" lastClr="000000"/>
+                </a:solidFill>
+              </a:rPr>
               <a:t>" : &lt;timestamp&gt;, Required</a:t>
             </a:r>
           </a:p>
           <a:p>
-            <a:pPr lvl="1"/>
-            <a:r>
-              <a:rPr lang="en-US" sz="788" dirty="0"/>
+            <a:pPr defTabSz="685800"/>
+            <a:r>
+              <a:rPr lang="en-US" sz="1400" kern="0" dirty="0">
+                <a:solidFill>
+                  <a:sysClr val="windowText" lastClr="000000"/>
+                </a:solidFill>
+              </a:rPr>
               <a:t>  "md5" : &lt;hash&gt;, Required</a:t>
             </a:r>
           </a:p>
           <a:p>
-            <a:pPr lvl="1"/>
-            <a:r>
-              <a:rPr lang="en-US" sz="788" dirty="0"/>
+            <a:pPr defTabSz="685800"/>
+            <a:r>
+              <a:rPr lang="en-US" sz="1400" kern="0" dirty="0">
+                <a:solidFill>
+                  <a:sysClr val="windowText" lastClr="000000"/>
+                </a:solidFill>
+              </a:rPr>
               <a:t>  "filename" : &lt;string&gt;, Optional</a:t>
             </a:r>
           </a:p>
           <a:p>
-            <a:pPr lvl="1"/>
-            <a:r>
-              <a:rPr lang="en-US" sz="788" dirty="0"/>
+            <a:pPr defTabSz="685800"/>
+            <a:r>
+              <a:rPr lang="en-US" sz="1400" kern="0" dirty="0">
+                <a:solidFill>
+                  <a:sysClr val="windowText" lastClr="000000"/>
+                </a:solidFill>
+              </a:rPr>
               <a:t>  "</a:t>
             </a:r>
             <a:r>
-              <a:rPr lang="en-US" sz="788" dirty="0" err="1"/>
+              <a:rPr lang="en-US" sz="1400" kern="0" dirty="0" err="1">
+                <a:solidFill>
+                  <a:sysClr val="windowText" lastClr="000000"/>
+                </a:solidFill>
+              </a:rPr>
               <a:t>contentType</a:t>
             </a:r>
             <a:r>
-              <a:rPr lang="en-US" sz="788" dirty="0"/>
+              <a:rPr lang="en-US" sz="1400" kern="0" dirty="0">
+                <a:solidFill>
+                  <a:sysClr val="windowText" lastClr="000000"/>
+                </a:solidFill>
+              </a:rPr>
               <a:t>" : &lt;string&gt;, Optional</a:t>
             </a:r>
           </a:p>
           <a:p>
-            <a:pPr lvl="1"/>
-            <a:r>
-              <a:rPr lang="en-US" sz="788" dirty="0"/>
+            <a:pPr defTabSz="685800"/>
+            <a:r>
+              <a:rPr lang="en-US" sz="1400" kern="0" dirty="0">
+                <a:solidFill>
+                  <a:sysClr val="windowText" lastClr="000000"/>
+                </a:solidFill>
+              </a:rPr>
               <a:t>  "aliases" : &lt;string array&gt;, Optional</a:t>
             </a:r>
           </a:p>
           <a:p>
-            <a:pPr lvl="1"/>
-            <a:r>
-              <a:rPr lang="en-US" sz="788" dirty="0"/>
+            <a:pPr defTabSz="685800"/>
+            <a:r>
+              <a:rPr lang="en-US" sz="1400" kern="0" dirty="0">
+                <a:solidFill>
+                  <a:sysClr val="windowText" lastClr="000000"/>
+                </a:solidFill>
+              </a:rPr>
               <a:t>  "metadata" : &lt;</a:t>
             </a:r>
             <a:r>
-              <a:rPr lang="en-US" sz="788" dirty="0" err="1"/>
+              <a:rPr lang="en-US" sz="1400" kern="0" dirty="0" err="1">
+                <a:solidFill>
+                  <a:sysClr val="windowText" lastClr="000000"/>
+                </a:solidFill>
+              </a:rPr>
               <a:t>dataObject</a:t>
             </a:r>
             <a:r>
-              <a:rPr lang="en-US" sz="788" dirty="0"/>
+              <a:rPr lang="en-US" sz="1400" kern="0" dirty="0">
+                <a:solidFill>
+                  <a:sysClr val="windowText" lastClr="000000"/>
+                </a:solidFill>
+              </a:rPr>
               <a:t>&gt;, Optional</a:t>
             </a:r>
           </a:p>
           <a:p>
-            <a:pPr lvl="1"/>
-            <a:r>
-              <a:rPr lang="en-US" sz="788" dirty="0"/>
+            <a:pPr defTabSz="685800"/>
+            <a:r>
+              <a:rPr lang="en-US" sz="1400" kern="0" dirty="0">
+                <a:solidFill>
+                  <a:sysClr val="windowText" lastClr="000000"/>
+                </a:solidFill>
+              </a:rPr>
               <a:t>}</a:t>
             </a:r>
           </a:p>
@@ -7986,329 +7918,14 @@
       </p:sp>
       <p:sp>
         <p:nvSpPr>
-          <p:cNvPr id="5" name="Flowchart: Magnetic Disk 2"/>
-          <p:cNvSpPr/>
+          <p:cNvPr id="78" name="TextBox 77"/>
+          <p:cNvSpPr txBox="1"/>
           <p:nvPr/>
         </p:nvSpPr>
         <p:spPr>
           <a:xfrm>
-            <a:off x="0" y="3805151"/>
-            <a:ext cx="2107277" cy="2637212"/>
-          </a:xfrm>
-          <a:prstGeom prst="flowChartMagneticDisk">
-            <a:avLst/>
-          </a:prstGeom>
-        </p:spPr>
-        <p:style>
-          <a:lnRef idx="2">
-            <a:schemeClr val="accent2"/>
-          </a:lnRef>
-          <a:fillRef idx="1">
-            <a:schemeClr val="lt1"/>
-          </a:fillRef>
-          <a:effectRef idx="0">
-            <a:schemeClr val="accent2"/>
-          </a:effectRef>
-          <a:fontRef idx="minor">
-            <a:schemeClr val="dk1"/>
-          </a:fontRef>
-        </p:style>
-        <p:txBody>
-          <a:bodyPr rtlCol="0" anchor="ctr"/>
-          <a:lstStyle/>
-          <a:p>
-            <a:pPr algn="ctr"/>
-            <a:r>
-              <a:rPr lang="en-US" sz="1350" dirty="0"/>
-              <a:t>Manifests</a:t>
-            </a:r>
-          </a:p>
-          <a:p>
-            <a:pPr algn="ctr"/>
-            <a:endParaRPr lang="en-US" sz="750" dirty="0"/>
-          </a:p>
-          <a:p>
-            <a:pPr algn="ctr"/>
-            <a:endParaRPr lang="en-US" sz="750" dirty="0"/>
-          </a:p>
-          <a:p>
-            <a:r>
-              <a:rPr lang="en-US" sz="750" dirty="0"/>
-              <a:t>{</a:t>
-            </a:r>
-          </a:p>
-          <a:p>
-            <a:pPr lvl="1"/>
-            <a:r>
-              <a:rPr lang="en-US" sz="750" dirty="0"/>
-              <a:t>  "_id" : &lt;</a:t>
-            </a:r>
-            <a:r>
-              <a:rPr lang="en-US" sz="750" dirty="0" err="1"/>
-              <a:t>ObjectId</a:t>
-            </a:r>
-            <a:r>
-              <a:rPr lang="en-US" sz="750" dirty="0"/>
-              <a:t>&gt;, Required</a:t>
-            </a:r>
-          </a:p>
-          <a:p>
-            <a:pPr lvl="1"/>
-            <a:r>
-              <a:rPr lang="en-US" sz="750" dirty="0"/>
-              <a:t>  “</a:t>
-            </a:r>
-            <a:r>
-              <a:rPr lang="en-US" sz="750" dirty="0" err="1"/>
-              <a:t>standardVersions</a:t>
-            </a:r>
-            <a:r>
-              <a:rPr lang="en-US" sz="750" dirty="0"/>
-              <a:t>" : &lt;string&gt;, Required</a:t>
-            </a:r>
-          </a:p>
-          <a:p>
-            <a:pPr lvl="1"/>
-            <a:r>
-              <a:rPr lang="en-US" sz="750" dirty="0"/>
-              <a:t>  “creator" : &lt;string&gt;, Required</a:t>
-            </a:r>
-          </a:p>
-          <a:p>
-            <a:pPr lvl="1"/>
-            <a:r>
-              <a:rPr lang="en-US" sz="750" dirty="0"/>
-              <a:t>  “manifest”: &lt;</a:t>
-            </a:r>
-            <a:r>
-              <a:rPr lang="en-US" sz="750" dirty="0" err="1"/>
-              <a:t>dataObject</a:t>
-            </a:r>
-            <a:r>
-              <a:rPr lang="en-US" sz="750" dirty="0"/>
-              <a:t>&gt;, Required</a:t>
-            </a:r>
-          </a:p>
-          <a:p>
-            <a:pPr lvl="1"/>
-            <a:r>
-              <a:rPr lang="en-US" sz="750" dirty="0"/>
-              <a:t>  "</a:t>
-            </a:r>
-            <a:r>
-              <a:rPr lang="en-US" sz="750" dirty="0" err="1"/>
-              <a:t>uploadDate</a:t>
-            </a:r>
-            <a:r>
-              <a:rPr lang="en-US" sz="750" dirty="0"/>
-              <a:t>" : &lt;timestamp&gt;, Required</a:t>
-            </a:r>
-          </a:p>
-          <a:p>
-            <a:pPr lvl="1"/>
-            <a:r>
-              <a:rPr lang="en-US" sz="750" dirty="0"/>
-              <a:t>  “</a:t>
-            </a:r>
-            <a:r>
-              <a:rPr lang="en-US" sz="750" dirty="0" err="1"/>
-              <a:t>file_id</a:t>
-            </a:r>
-            <a:r>
-              <a:rPr lang="en-US" sz="750" dirty="0"/>
-              <a:t>”: &lt;</a:t>
-            </a:r>
-            <a:r>
-              <a:rPr lang="en-US" sz="750" dirty="0" err="1"/>
-              <a:t>ObjectId</a:t>
-            </a:r>
-            <a:r>
-              <a:rPr lang="en-US" sz="750" dirty="0"/>
-              <a:t>&gt; Required</a:t>
-            </a:r>
-          </a:p>
-          <a:p>
-            <a:r>
-              <a:rPr lang="en-US" sz="750" dirty="0"/>
-              <a:t>}</a:t>
-            </a:r>
-          </a:p>
-          <a:p>
-            <a:endParaRPr lang="en-US" sz="750" dirty="0"/>
-          </a:p>
-          <a:p>
-            <a:endParaRPr lang="en-US" sz="900" dirty="0"/>
-          </a:p>
-          <a:p>
-            <a:endParaRPr lang="en-US" sz="900" dirty="0"/>
-          </a:p>
-          <a:p>
-            <a:endParaRPr lang="en-US" sz="900" dirty="0"/>
-          </a:p>
-        </p:txBody>
-      </p:sp>
-      <p:sp>
-        <p:nvSpPr>
-          <p:cNvPr id="6" name="Flowchart: Magnetic Disk 3"/>
-          <p:cNvSpPr/>
-          <p:nvPr/>
-        </p:nvSpPr>
-        <p:spPr>
-          <a:xfrm>
-            <a:off x="6862952" y="3805150"/>
-            <a:ext cx="2107277" cy="2637212"/>
-          </a:xfrm>
-          <a:prstGeom prst="flowChartMagneticDisk">
-            <a:avLst/>
-          </a:prstGeom>
-        </p:spPr>
-        <p:style>
-          <a:lnRef idx="2">
-            <a:schemeClr val="accent6"/>
-          </a:lnRef>
-          <a:fillRef idx="1">
-            <a:schemeClr val="lt1"/>
-          </a:fillRef>
-          <a:effectRef idx="0">
-            <a:schemeClr val="accent6"/>
-          </a:effectRef>
-          <a:fontRef idx="minor">
-            <a:schemeClr val="dk1"/>
-          </a:fontRef>
-        </p:style>
-        <p:txBody>
-          <a:bodyPr rtlCol="0" anchor="ctr"/>
-          <a:lstStyle/>
-          <a:p>
-            <a:pPr algn="ctr"/>
-            <a:r>
-              <a:rPr lang="en-US" sz="1350" dirty="0" err="1"/>
-              <a:t>Fs.chunks</a:t>
-            </a:r>
-            <a:endParaRPr lang="en-US" sz="1350" dirty="0"/>
-          </a:p>
-          <a:p>
-            <a:pPr algn="ctr"/>
-            <a:endParaRPr lang="en-US" sz="900" dirty="0">
-              <a:solidFill>
-                <a:prstClr val="black"/>
-              </a:solidFill>
-            </a:endParaRPr>
-          </a:p>
-          <a:p>
-            <a:pPr lvl="1"/>
-            <a:r>
-              <a:rPr lang="pt-BR" sz="900" dirty="0">
-                <a:solidFill>
-                  <a:prstClr val="black"/>
-                </a:solidFill>
-              </a:rPr>
-              <a:t>{</a:t>
-            </a:r>
-          </a:p>
-          <a:p>
-            <a:pPr lvl="1"/>
-            <a:r>
-              <a:rPr lang="pt-BR" sz="900" dirty="0">
-                <a:solidFill>
-                  <a:prstClr val="black"/>
-                </a:solidFill>
-              </a:rPr>
-              <a:t>  "_id" : &lt;ObjectId&gt;, Required</a:t>
-            </a:r>
-          </a:p>
-          <a:p>
-            <a:pPr lvl="1"/>
-            <a:r>
-              <a:rPr lang="pt-BR" sz="900" dirty="0">
-                <a:solidFill>
-                  <a:prstClr val="black"/>
-                </a:solidFill>
-              </a:rPr>
-              <a:t>  "files_id" : &lt;ObjectId&gt;, Required</a:t>
-            </a:r>
-          </a:p>
-          <a:p>
-            <a:pPr lvl="1"/>
-            <a:r>
-              <a:rPr lang="pt-BR" sz="900" dirty="0">
-                <a:solidFill>
-                  <a:prstClr val="black"/>
-                </a:solidFill>
-              </a:rPr>
-              <a:t>  "n" : &lt;num&gt;, Required</a:t>
-            </a:r>
-          </a:p>
-          <a:p>
-            <a:pPr lvl="1"/>
-            <a:r>
-              <a:rPr lang="pt-BR" sz="900" dirty="0">
-                <a:solidFill>
-                  <a:prstClr val="black"/>
-                </a:solidFill>
-              </a:rPr>
-              <a:t>  "data" : &lt;binary&gt; Required</a:t>
-            </a:r>
-          </a:p>
-          <a:p>
-            <a:pPr lvl="1"/>
-            <a:r>
-              <a:rPr lang="pt-BR" sz="900" dirty="0">
-                <a:solidFill>
-                  <a:prstClr val="black"/>
-                </a:solidFill>
-              </a:rPr>
-              <a:t>}</a:t>
-            </a:r>
-          </a:p>
-          <a:p>
-            <a:pPr lvl="1"/>
-            <a:endParaRPr lang="pt-BR" sz="900" dirty="0">
-              <a:solidFill>
-                <a:prstClr val="black"/>
-              </a:solidFill>
-            </a:endParaRPr>
-          </a:p>
-          <a:p>
-            <a:pPr lvl="1"/>
-            <a:endParaRPr lang="pt-BR" sz="900" dirty="0">
-              <a:solidFill>
-                <a:prstClr val="black"/>
-              </a:solidFill>
-            </a:endParaRPr>
-          </a:p>
-          <a:p>
-            <a:pPr lvl="1"/>
-            <a:endParaRPr lang="pt-BR" sz="900" dirty="0">
-              <a:solidFill>
-                <a:prstClr val="black"/>
-              </a:solidFill>
-            </a:endParaRPr>
-          </a:p>
-          <a:p>
-            <a:pPr lvl="1"/>
-            <a:endParaRPr lang="pt-BR" sz="900" dirty="0">
-              <a:solidFill>
-                <a:prstClr val="black"/>
-              </a:solidFill>
-            </a:endParaRPr>
-          </a:p>
-          <a:p>
-            <a:pPr lvl="1"/>
-            <a:endParaRPr lang="en-US" sz="1350" dirty="0"/>
-          </a:p>
-        </p:txBody>
-      </p:sp>
-      <p:sp>
-        <p:nvSpPr>
-          <p:cNvPr id="7" name="TextBox 6"/>
-          <p:cNvSpPr txBox="1"/>
-          <p:nvPr/>
-        </p:nvSpPr>
-        <p:spPr>
-          <a:xfrm>
-            <a:off x="1533923" y="3189654"/>
-            <a:ext cx="1218603" cy="230832"/>
+            <a:off x="583029" y="3355562"/>
+            <a:ext cx="1794081" cy="307777"/>
           </a:xfrm>
           <a:prstGeom prst="rect">
             <a:avLst/>
@@ -8321,20 +7938,21 @@
           </a:bodyPr>
           <a:lstStyle/>
           <a:p>
-            <a:r>
-              <a:rPr lang="en-US" sz="900" dirty="0" err="1"/>
+            <a:pPr defTabSz="685800"/>
+            <a:r>
+              <a:rPr lang="en-US" sz="1400" kern="0" dirty="0" err="1"/>
               <a:t>file_id</a:t>
             </a:r>
             <a:r>
-              <a:rPr lang="en-US" sz="900" dirty="0"/>
+              <a:rPr lang="en-US" sz="1400" kern="0" dirty="0"/>
               <a:t> </a:t>
             </a:r>
             <a:r>
-              <a:rPr lang="en-US" sz="900" dirty="0" err="1"/>
+              <a:rPr lang="en-US" sz="1400" kern="0" dirty="0" err="1"/>
               <a:t>refrences</a:t>
             </a:r>
             <a:r>
-              <a:rPr lang="en-US" sz="900" dirty="0"/>
+              <a:rPr lang="en-US" sz="1400" kern="0" dirty="0"/>
               <a:t> a file</a:t>
             </a:r>
           </a:p>
@@ -8342,14 +7960,14 @@
       </p:sp>
       <p:sp>
         <p:nvSpPr>
-          <p:cNvPr id="8" name="TextBox 7"/>
+          <p:cNvPr id="79" name="TextBox 78"/>
           <p:cNvSpPr txBox="1"/>
           <p:nvPr/>
         </p:nvSpPr>
         <p:spPr>
           <a:xfrm>
-            <a:off x="4755676" y="4241561"/>
-            <a:ext cx="1826141" cy="369332"/>
+            <a:off x="4674247" y="3254494"/>
+            <a:ext cx="2741456" cy="523220"/>
           </a:xfrm>
           <a:prstGeom prst="rect">
             <a:avLst/>
@@ -8362,26 +7980,28 @@
           </a:bodyPr>
           <a:lstStyle/>
           <a:p>
-            <a:r>
-              <a:rPr lang="en-US" sz="900" dirty="0" err="1"/>
+            <a:pPr defTabSz="685800"/>
+            <a:r>
+              <a:rPr lang="en-US" sz="1400" kern="0" dirty="0" err="1"/>
               <a:t>files_id</a:t>
             </a:r>
             <a:r>
-              <a:rPr lang="en-US" sz="900" dirty="0"/>
+              <a:rPr lang="en-US" sz="1400" kern="0" dirty="0"/>
               <a:t> </a:t>
             </a:r>
             <a:r>
-              <a:rPr lang="en-US" sz="900" dirty="0" err="1"/>
+              <a:rPr lang="en-US" sz="1400" kern="0" dirty="0" err="1"/>
               <a:t>refrences</a:t>
             </a:r>
             <a:r>
-              <a:rPr lang="en-US" sz="900" dirty="0"/>
+              <a:rPr lang="en-US" sz="1400" kern="0" dirty="0"/>
               <a:t> a file, </a:t>
             </a:r>
           </a:p>
           <a:p>
-            <a:r>
-              <a:rPr lang="en-US" sz="900" dirty="0"/>
+            <a:pPr defTabSz="685800"/>
+            <a:r>
+              <a:rPr lang="en-US" sz="1400" kern="0" dirty="0"/>
               <a:t>can be combined into a whole file</a:t>
             </a:r>
           </a:p>
@@ -8389,14 +8009,14 @@
       </p:sp>
       <p:sp>
         <p:nvSpPr>
-          <p:cNvPr id="9" name="TextBox 8"/>
+          <p:cNvPr id="17" name="TextBox 16"/>
           <p:cNvSpPr txBox="1"/>
           <p:nvPr/>
         </p:nvSpPr>
         <p:spPr>
           <a:xfrm>
-            <a:off x="2193861" y="5123756"/>
-            <a:ext cx="2470548" cy="923330"/>
+            <a:off x="3302069" y="4109330"/>
+            <a:ext cx="2408174" cy="2677656"/>
           </a:xfrm>
           <a:prstGeom prst="rect">
             <a:avLst/>
@@ -8404,63 +8024,69 @@
           <a:noFill/>
         </p:spPr>
         <p:txBody>
-          <a:bodyPr wrap="none" rtlCol="0">
+          <a:bodyPr wrap="square" rtlCol="0">
             <a:spAutoFit/>
           </a:bodyPr>
           <a:lstStyle/>
           <a:p>
-            <a:r>
-              <a:rPr lang="en-US" sz="900" dirty="0"/>
+            <a:pPr defTabSz="685800"/>
+            <a:r>
+              <a:rPr lang="en-US" sz="1400" kern="0" dirty="0"/>
               <a:t>Manifests holds an entry for each manifest.</a:t>
             </a:r>
           </a:p>
           <a:p>
-            <a:r>
-              <a:rPr lang="en-US" sz="900" dirty="0"/>
+            <a:pPr defTabSz="685800"/>
+            <a:r>
+              <a:rPr lang="en-US" sz="1400" kern="0" dirty="0"/>
               <a:t>It has a </a:t>
             </a:r>
             <a:r>
-              <a:rPr lang="en-US" sz="900" dirty="0" err="1"/>
+              <a:rPr lang="en-US" sz="1400" kern="0" dirty="0" err="1"/>
               <a:t>file_id</a:t>
             </a:r>
             <a:r>
-              <a:rPr lang="en-US" sz="900" dirty="0"/>
+              <a:rPr lang="en-US" sz="1400" kern="0" dirty="0"/>
               <a:t> member that </a:t>
             </a:r>
             <a:r>
-              <a:rPr lang="en-US" sz="900" dirty="0" err="1"/>
+              <a:rPr lang="en-US" sz="1400" kern="0" dirty="0" err="1"/>
               <a:t>refrences</a:t>
             </a:r>
             <a:r>
-              <a:rPr lang="en-US" sz="900" dirty="0"/>
+              <a:rPr lang="en-US" sz="1400" kern="0" dirty="0"/>
               <a:t> the </a:t>
             </a:r>
           </a:p>
           <a:p>
-            <a:r>
-              <a:rPr lang="en-US" sz="900" dirty="0" err="1"/>
+            <a:pPr defTabSz="685800"/>
+            <a:r>
+              <a:rPr lang="en-US" sz="1400" kern="0" dirty="0" err="1"/>
               <a:t>Fs.files</a:t>
             </a:r>
             <a:r>
-              <a:rPr lang="en-US" sz="900" dirty="0"/>
+              <a:rPr lang="en-US" sz="1400" kern="0" dirty="0"/>
               <a:t> collection. This allows a manifest entry</a:t>
             </a:r>
           </a:p>
           <a:p>
-            <a:r>
-              <a:rPr lang="en-US" sz="900" dirty="0"/>
+            <a:pPr defTabSz="685800"/>
+            <a:r>
+              <a:rPr lang="en-US" sz="1400" kern="0" dirty="0"/>
               <a:t>to be tied to a data file that can be retrieved</a:t>
             </a:r>
           </a:p>
           <a:p>
-            <a:r>
-              <a:rPr lang="en-US" sz="900" dirty="0"/>
+            <a:pPr defTabSz="685800"/>
+            <a:r>
+              <a:rPr lang="en-US" sz="1400" kern="0" dirty="0"/>
               <a:t>on request. This collection will have extensive</a:t>
             </a:r>
           </a:p>
           <a:p>
-            <a:r>
-              <a:rPr lang="en-US" sz="900" dirty="0"/>
+            <a:pPr defTabSz="685800"/>
+            <a:r>
+              <a:rPr lang="en-US" sz="1400" kern="0" dirty="0"/>
               <a:t>indexes to allow for efficient queries.</a:t>
             </a:r>
           </a:p>
@@ -8468,14 +8094,14 @@
       </p:sp>
       <p:sp>
         <p:nvSpPr>
-          <p:cNvPr id="10" name="TextBox 9"/>
+          <p:cNvPr id="18" name="TextBox 17"/>
           <p:cNvSpPr txBox="1"/>
           <p:nvPr/>
         </p:nvSpPr>
         <p:spPr>
           <a:xfrm>
-            <a:off x="6059265" y="2150908"/>
-            <a:ext cx="2924198" cy="1477328"/>
+            <a:off x="119262" y="126280"/>
+            <a:ext cx="4455066" cy="2246769"/>
           </a:xfrm>
           <a:prstGeom prst="rect">
             <a:avLst/>
@@ -8488,82 +8114,92 @@
           </a:bodyPr>
           <a:lstStyle/>
           <a:p>
-            <a:r>
-              <a:rPr lang="en-US" sz="900" dirty="0"/>
+            <a:pPr defTabSz="685800"/>
+            <a:r>
+              <a:rPr lang="en-US" sz="1400" kern="0" dirty="0"/>
               <a:t>The 2 Fs collections hold the files. </a:t>
             </a:r>
             <a:r>
-              <a:rPr lang="en-US" sz="900" dirty="0" err="1"/>
+              <a:rPr lang="en-US" sz="1400" kern="0" dirty="0" err="1"/>
               <a:t>Fs.files</a:t>
             </a:r>
             <a:r>
-              <a:rPr lang="en-US" sz="900" dirty="0"/>
+              <a:rPr lang="en-US" sz="1400" kern="0" dirty="0"/>
               <a:t> holds the</a:t>
             </a:r>
           </a:p>
           <a:p>
-            <a:r>
-              <a:rPr lang="en-US" sz="900" dirty="0"/>
+            <a:pPr defTabSz="685800"/>
+            <a:r>
+              <a:rPr lang="en-US" sz="1400" kern="0" dirty="0"/>
               <a:t>Metadata for the file, and the information that </a:t>
             </a:r>
           </a:p>
           <a:p>
-            <a:r>
-              <a:rPr lang="en-US" sz="900" dirty="0"/>
+            <a:pPr defTabSz="685800"/>
+            <a:r>
+              <a:rPr lang="en-US" sz="1400" kern="0" dirty="0"/>
               <a:t>allows for a file to be searched and constructed. All </a:t>
             </a:r>
           </a:p>
           <a:p>
-            <a:r>
-              <a:rPr lang="en-US" sz="900" dirty="0"/>
+            <a:pPr defTabSz="685800"/>
+            <a:r>
+              <a:rPr lang="en-US" sz="1400" kern="0" dirty="0"/>
               <a:t>required fields are filled out by </a:t>
             </a:r>
             <a:r>
-              <a:rPr lang="en-US" sz="900" dirty="0" err="1"/>
+              <a:rPr lang="en-US" sz="1400" kern="0" dirty="0" err="1"/>
               <a:t>GridFS</a:t>
             </a:r>
             <a:r>
-              <a:rPr lang="en-US" sz="900" dirty="0"/>
+              <a:rPr lang="en-US" sz="1400" kern="0" dirty="0"/>
               <a:t>, and the optional</a:t>
             </a:r>
           </a:p>
           <a:p>
-            <a:r>
-              <a:rPr lang="en-US" sz="900" dirty="0"/>
+            <a:pPr defTabSz="685800"/>
+            <a:r>
+              <a:rPr lang="en-US" sz="1400" kern="0" dirty="0"/>
               <a:t>fields are filled out by the parameters passed. </a:t>
             </a:r>
           </a:p>
           <a:p>
-            <a:r>
-              <a:rPr lang="en-US" sz="900" dirty="0" err="1"/>
+            <a:pPr defTabSz="685800"/>
+            <a:r>
+              <a:rPr lang="en-US" sz="1400" kern="0" dirty="0" err="1"/>
               <a:t>Fs.chunks</a:t>
             </a:r>
             <a:r>
-              <a:rPr lang="en-US" sz="900" dirty="0"/>
+              <a:rPr lang="en-US" sz="1400" kern="0" dirty="0"/>
               <a:t> holds 16MB chunks of data that </a:t>
             </a:r>
           </a:p>
           <a:p>
-            <a:r>
-              <a:rPr lang="en-US" sz="900" dirty="0"/>
+            <a:pPr defTabSz="685800"/>
+            <a:r>
+              <a:rPr lang="en-US" sz="1400" kern="0" dirty="0"/>
               <a:t>correspond  to a whole file. This allows for highly</a:t>
             </a:r>
           </a:p>
           <a:p>
-            <a:r>
-              <a:rPr lang="en-US" sz="900" dirty="0"/>
+            <a:pPr defTabSz="685800"/>
+            <a:r>
+              <a:rPr lang="en-US" sz="1400" kern="0" dirty="0"/>
               <a:t>efficient storage and retrieval of large data files (A</a:t>
             </a:r>
           </a:p>
           <a:p>
-            <a:r>
-              <a:rPr lang="en-US" sz="900" dirty="0"/>
+            <a:pPr defTabSz="685800"/>
+            <a:r>
+              <a:rPr lang="en-US" sz="1400" kern="0" dirty="0"/>
               <a:t>necessity for a big data environment. All fields are</a:t>
             </a:r>
           </a:p>
           <a:p>
-            <a:r>
-              <a:rPr lang="en-US" sz="900" dirty="0"/>
+            <a:pPr defTabSz="685800"/>
+            <a:r>
+              <a:rPr lang="en-US" sz="1400" kern="0" dirty="0"/>
               <a:t>filled out by grid fs</a:t>
             </a:r>
           </a:p>
@@ -8571,124 +8207,36 @@
       </p:sp>
       <p:cxnSp>
         <p:nvCxnSpPr>
-          <p:cNvPr id="11" name="Straight Connector 10"/>
+          <p:cNvPr id="12" name="Straight Connector 11"/>
           <p:cNvCxnSpPr>
-            <a:stCxn id="5" idx="4"/>
-            <a:endCxn id="4" idx="2"/>
+            <a:stCxn id="7" idx="0"/>
+            <a:endCxn id="26" idx="1"/>
           </p:cNvCxnSpPr>
           <p:nvPr/>
         </p:nvCxnSpPr>
         <p:spPr>
           <a:xfrm flipV="1">
-            <a:off x="2107277" y="2670282"/>
-            <a:ext cx="1223891" cy="2453475"/>
+            <a:off x="1627017" y="1526645"/>
+            <a:ext cx="4044694" cy="2548275"/>
           </a:xfrm>
           <a:prstGeom prst="line">
             <a:avLst/>
           </a:prstGeom>
+          <a:ln>
+            <a:solidFill>
+              <a:schemeClr val="tx1"/>
+            </a:solidFill>
+          </a:ln>
         </p:spPr>
         <p:style>
           <a:lnRef idx="1">
-            <a:schemeClr val="accent1"/>
+            <a:schemeClr val="accent4"/>
           </a:lnRef>
           <a:fillRef idx="0">
-            <a:schemeClr val="accent1"/>
+            <a:schemeClr val="accent4"/>
           </a:fillRef>
           <a:effectRef idx="0">
-            <a:schemeClr val="accent1"/>
-          </a:effectRef>
-          <a:fontRef idx="minor">
-            <a:schemeClr val="tx1"/>
-          </a:fontRef>
-        </p:style>
-      </p:cxnSp>
-      <p:cxnSp>
-        <p:nvCxnSpPr>
-          <p:cNvPr id="12" name="Straight Connector 11"/>
-          <p:cNvCxnSpPr>
-            <a:stCxn id="6" idx="2"/>
-            <a:endCxn id="4" idx="4"/>
-          </p:cNvCxnSpPr>
-          <p:nvPr/>
-        </p:nvCxnSpPr>
-        <p:spPr>
-          <a:xfrm flipH="1" flipV="1">
-            <a:off x="5438444" y="2670283"/>
-            <a:ext cx="1424508" cy="2453474"/>
-          </a:xfrm>
-          <a:prstGeom prst="line">
-            <a:avLst/>
-          </a:prstGeom>
-        </p:spPr>
-        <p:style>
-          <a:lnRef idx="1">
-            <a:schemeClr val="accent1"/>
-          </a:lnRef>
-          <a:fillRef idx="0">
-            <a:schemeClr val="accent1"/>
-          </a:fillRef>
-          <a:effectRef idx="0">
-            <a:schemeClr val="accent1"/>
-          </a:effectRef>
-          <a:fontRef idx="minor">
-            <a:schemeClr val="tx1"/>
-          </a:fontRef>
-        </p:style>
-      </p:cxnSp>
-      <p:cxnSp>
-        <p:nvCxnSpPr>
-          <p:cNvPr id="13" name="Straight Connector 12"/>
-          <p:cNvCxnSpPr/>
-          <p:nvPr/>
-        </p:nvCxnSpPr>
-        <p:spPr>
-          <a:xfrm flipV="1">
-            <a:off x="5438444" y="2749300"/>
-            <a:ext cx="111533" cy="41744"/>
-          </a:xfrm>
-          <a:prstGeom prst="line">
-            <a:avLst/>
-          </a:prstGeom>
-        </p:spPr>
-        <p:style>
-          <a:lnRef idx="1">
-            <a:schemeClr val="accent1"/>
-          </a:lnRef>
-          <a:fillRef idx="0">
-            <a:schemeClr val="accent1"/>
-          </a:fillRef>
-          <a:effectRef idx="0">
-            <a:schemeClr val="accent1"/>
-          </a:effectRef>
-          <a:fontRef idx="minor">
-            <a:schemeClr val="tx1"/>
-          </a:fontRef>
-        </p:style>
-      </p:cxnSp>
-      <p:cxnSp>
-        <p:nvCxnSpPr>
-          <p:cNvPr id="14" name="Straight Connector 13"/>
-          <p:cNvCxnSpPr/>
-          <p:nvPr/>
-        </p:nvCxnSpPr>
-        <p:spPr>
-          <a:xfrm flipV="1">
-            <a:off x="5471067" y="2806690"/>
-            <a:ext cx="111533" cy="41744"/>
-          </a:xfrm>
-          <a:prstGeom prst="line">
-            <a:avLst/>
-          </a:prstGeom>
-        </p:spPr>
-        <p:style>
-          <a:lnRef idx="1">
-            <a:schemeClr val="accent1"/>
-          </a:lnRef>
-          <a:fillRef idx="0">
-            <a:schemeClr val="accent1"/>
-          </a:fillRef>
-          <a:effectRef idx="0">
-            <a:schemeClr val="accent1"/>
+            <a:schemeClr val="accent4"/>
           </a:effectRef>
           <a:fontRef idx="minor">
             <a:schemeClr val="tx1"/>
@@ -8698,107 +8246,25 @@
       <p:cxnSp>
         <p:nvCxnSpPr>
           <p:cNvPr id="15" name="Straight Connector 14"/>
-          <p:cNvCxnSpPr/>
+          <p:cNvCxnSpPr>
+            <a:stCxn id="23" idx="0"/>
+            <a:endCxn id="26" idx="2"/>
+          </p:cNvCxnSpPr>
           <p:nvPr/>
         </p:nvCxnSpPr>
         <p:spPr>
-          <a:xfrm>
-            <a:off x="3223098" y="2718238"/>
-            <a:ext cx="108069" cy="62123"/>
+          <a:xfrm flipH="1" flipV="1">
+            <a:off x="7248805" y="2971599"/>
+            <a:ext cx="166898" cy="1533295"/>
           </a:xfrm>
           <a:prstGeom prst="line">
             <a:avLst/>
           </a:prstGeom>
-        </p:spPr>
-        <p:style>
-          <a:lnRef idx="1">
-            <a:schemeClr val="accent1"/>
-          </a:lnRef>
-          <a:fillRef idx="0">
-            <a:schemeClr val="accent1"/>
-          </a:fillRef>
-          <a:effectRef idx="0">
-            <a:schemeClr val="accent1"/>
-          </a:effectRef>
-          <a:fontRef idx="minor">
-            <a:schemeClr val="tx1"/>
-          </a:fontRef>
-        </p:style>
-      </p:cxnSp>
-      <p:cxnSp>
-        <p:nvCxnSpPr>
-          <p:cNvPr id="16" name="Straight Connector 15"/>
-          <p:cNvCxnSpPr/>
-          <p:nvPr/>
-        </p:nvCxnSpPr>
-        <p:spPr>
-          <a:xfrm>
-            <a:off x="3194312" y="2796499"/>
-            <a:ext cx="108069" cy="62123"/>
-          </a:xfrm>
-          <a:prstGeom prst="line">
-            <a:avLst/>
-          </a:prstGeom>
-        </p:spPr>
-        <p:style>
-          <a:lnRef idx="1">
-            <a:schemeClr val="accent1"/>
-          </a:lnRef>
-          <a:fillRef idx="0">
-            <a:schemeClr val="accent1"/>
-          </a:fillRef>
-          <a:effectRef idx="0">
-            <a:schemeClr val="accent1"/>
-          </a:effectRef>
-          <a:fontRef idx="minor">
-            <a:schemeClr val="tx1"/>
-          </a:fontRef>
-        </p:style>
-      </p:cxnSp>
-      <p:cxnSp>
-        <p:nvCxnSpPr>
-          <p:cNvPr id="17" name="Straight Connector 16"/>
-          <p:cNvCxnSpPr/>
-          <p:nvPr/>
-        </p:nvCxnSpPr>
-        <p:spPr>
-          <a:xfrm>
-            <a:off x="2107276" y="4974163"/>
-            <a:ext cx="108069" cy="62123"/>
-          </a:xfrm>
-          <a:prstGeom prst="line">
-            <a:avLst/>
-          </a:prstGeom>
-        </p:spPr>
-        <p:style>
-          <a:lnRef idx="1">
-            <a:schemeClr val="accent1"/>
-          </a:lnRef>
-          <a:fillRef idx="0">
-            <a:schemeClr val="accent1"/>
-          </a:fillRef>
-          <a:effectRef idx="0">
-            <a:schemeClr val="accent1"/>
-          </a:effectRef>
-          <a:fontRef idx="minor">
-            <a:schemeClr val="tx1"/>
-          </a:fontRef>
-        </p:style>
-      </p:cxnSp>
-      <p:cxnSp>
-        <p:nvCxnSpPr>
-          <p:cNvPr id="18" name="Straight Connector 17"/>
-          <p:cNvCxnSpPr/>
-          <p:nvPr/>
-        </p:nvCxnSpPr>
-        <p:spPr>
-          <a:xfrm>
-            <a:off x="2139827" y="4912039"/>
-            <a:ext cx="108069" cy="62123"/>
-          </a:xfrm>
-          <a:prstGeom prst="line">
-            <a:avLst/>
-          </a:prstGeom>
+          <a:ln>
+            <a:solidFill>
+              <a:schemeClr val="tx1"/>
+            </a:solidFill>
+          </a:ln>
         </p:spPr>
         <p:style>
           <a:lnRef idx="1">
@@ -8822,13 +8288,18 @@
           <p:nvPr/>
         </p:nvCxnSpPr>
         <p:spPr>
-          <a:xfrm>
-            <a:off x="6798707" y="5013047"/>
-            <a:ext cx="64245" cy="0"/>
+          <a:xfrm flipV="1">
+            <a:off x="7219072" y="3031554"/>
+            <a:ext cx="111533" cy="41744"/>
           </a:xfrm>
           <a:prstGeom prst="line">
             <a:avLst/>
           </a:prstGeom>
+          <a:ln>
+            <a:solidFill>
+              <a:schemeClr val="tx1"/>
+            </a:solidFill>
+          </a:ln>
         </p:spPr>
         <p:style>
           <a:lnRef idx="1">
@@ -8847,18 +8318,23 @@
       </p:cxnSp>
       <p:cxnSp>
         <p:nvCxnSpPr>
-          <p:cNvPr id="20" name="Straight Connector 19"/>
+          <p:cNvPr id="24" name="Straight Connector 23"/>
           <p:cNvCxnSpPr/>
           <p:nvPr/>
         </p:nvCxnSpPr>
         <p:spPr>
-          <a:xfrm>
-            <a:off x="6798707" y="5036286"/>
-            <a:ext cx="64245" cy="229601"/>
+          <a:xfrm flipV="1">
+            <a:off x="7219073" y="3073298"/>
+            <a:ext cx="111533" cy="41744"/>
           </a:xfrm>
           <a:prstGeom prst="line">
             <a:avLst/>
           </a:prstGeom>
+          <a:ln>
+            <a:solidFill>
+              <a:schemeClr val="tx1"/>
+            </a:solidFill>
+          </a:ln>
         </p:spPr>
         <p:style>
           <a:lnRef idx="1">
@@ -8877,18 +8353,23 @@
       </p:cxnSp>
       <p:cxnSp>
         <p:nvCxnSpPr>
-          <p:cNvPr id="21" name="Straight Connector 20"/>
+          <p:cNvPr id="25" name="Straight Connector 24"/>
           <p:cNvCxnSpPr/>
           <p:nvPr/>
         </p:nvCxnSpPr>
         <p:spPr>
-          <a:xfrm flipV="1">
-            <a:off x="6703291" y="4902339"/>
-            <a:ext cx="95416" cy="102885"/>
+          <a:xfrm>
+            <a:off x="5411305" y="1603936"/>
+            <a:ext cx="143711" cy="168826"/>
           </a:xfrm>
           <a:prstGeom prst="line">
             <a:avLst/>
           </a:prstGeom>
+          <a:ln>
+            <a:solidFill>
+              <a:schemeClr val="tx1"/>
+            </a:solidFill>
+          </a:ln>
         </p:spPr>
         <p:style>
           <a:lnRef idx="1">
@@ -8905,23 +8386,455 @@
           </a:fontRef>
         </p:style>
       </p:cxnSp>
+      <p:cxnSp>
+        <p:nvCxnSpPr>
+          <p:cNvPr id="28" name="Straight Connector 27"/>
+          <p:cNvCxnSpPr/>
+          <p:nvPr/>
+        </p:nvCxnSpPr>
+        <p:spPr>
+          <a:xfrm>
+            <a:off x="5500982" y="1526645"/>
+            <a:ext cx="108069" cy="125445"/>
+          </a:xfrm>
+          <a:prstGeom prst="line">
+            <a:avLst/>
+          </a:prstGeom>
+          <a:ln>
+            <a:solidFill>
+              <a:schemeClr val="tx1"/>
+            </a:solidFill>
+          </a:ln>
+        </p:spPr>
+        <p:style>
+          <a:lnRef idx="1">
+            <a:schemeClr val="accent1"/>
+          </a:lnRef>
+          <a:fillRef idx="0">
+            <a:schemeClr val="accent1"/>
+          </a:fillRef>
+          <a:effectRef idx="0">
+            <a:schemeClr val="accent1"/>
+          </a:effectRef>
+          <a:fontRef idx="minor">
+            <a:schemeClr val="tx1"/>
+          </a:fontRef>
+        </p:style>
+      </p:cxnSp>
+      <p:cxnSp>
+        <p:nvCxnSpPr>
+          <p:cNvPr id="29" name="Straight Connector 28"/>
+          <p:cNvCxnSpPr/>
+          <p:nvPr/>
+        </p:nvCxnSpPr>
+        <p:spPr>
+          <a:xfrm>
+            <a:off x="1759132" y="3913479"/>
+            <a:ext cx="139337" cy="110734"/>
+          </a:xfrm>
+          <a:prstGeom prst="line">
+            <a:avLst/>
+          </a:prstGeom>
+          <a:ln>
+            <a:solidFill>
+              <a:schemeClr val="tx1"/>
+            </a:solidFill>
+          </a:ln>
+        </p:spPr>
+        <p:style>
+          <a:lnRef idx="1">
+            <a:schemeClr val="accent1"/>
+          </a:lnRef>
+          <a:fillRef idx="0">
+            <a:schemeClr val="accent1"/>
+          </a:fillRef>
+          <a:effectRef idx="0">
+            <a:schemeClr val="accent1"/>
+          </a:effectRef>
+          <a:fontRef idx="minor">
+            <a:schemeClr val="tx1"/>
+          </a:fontRef>
+        </p:style>
+      </p:cxnSp>
+      <p:cxnSp>
+        <p:nvCxnSpPr>
+          <p:cNvPr id="30" name="Straight Connector 29"/>
+          <p:cNvCxnSpPr/>
+          <p:nvPr/>
+        </p:nvCxnSpPr>
+        <p:spPr>
+          <a:xfrm>
+            <a:off x="1841330" y="3882417"/>
+            <a:ext cx="108069" cy="62123"/>
+          </a:xfrm>
+          <a:prstGeom prst="line">
+            <a:avLst/>
+          </a:prstGeom>
+          <a:ln>
+            <a:solidFill>
+              <a:schemeClr val="tx1"/>
+            </a:solidFill>
+          </a:ln>
+        </p:spPr>
+        <p:style>
+          <a:lnRef idx="1">
+            <a:schemeClr val="accent1"/>
+          </a:lnRef>
+          <a:fillRef idx="0">
+            <a:schemeClr val="accent1"/>
+          </a:fillRef>
+          <a:effectRef idx="0">
+            <a:schemeClr val="accent1"/>
+          </a:effectRef>
+          <a:fontRef idx="minor">
+            <a:schemeClr val="tx1"/>
+          </a:fontRef>
+        </p:style>
+      </p:cxnSp>
+      <p:cxnSp>
+        <p:nvCxnSpPr>
+          <p:cNvPr id="22" name="Straight Connector 21"/>
+          <p:cNvCxnSpPr/>
+          <p:nvPr/>
+        </p:nvCxnSpPr>
+        <p:spPr>
+          <a:xfrm>
+            <a:off x="7332253" y="4259750"/>
+            <a:ext cx="157147" cy="0"/>
+          </a:xfrm>
+          <a:prstGeom prst="line">
+            <a:avLst/>
+          </a:prstGeom>
+          <a:ln>
+            <a:solidFill>
+              <a:schemeClr val="tx1"/>
+            </a:solidFill>
+          </a:ln>
+        </p:spPr>
+        <p:style>
+          <a:lnRef idx="1">
+            <a:schemeClr val="accent1"/>
+          </a:lnRef>
+          <a:fillRef idx="0">
+            <a:schemeClr val="accent1"/>
+          </a:fillRef>
+          <a:effectRef idx="0">
+            <a:schemeClr val="accent1"/>
+          </a:effectRef>
+          <a:fontRef idx="minor">
+            <a:schemeClr val="tx1"/>
+          </a:fontRef>
+        </p:style>
+      </p:cxnSp>
+      <p:cxnSp>
+        <p:nvCxnSpPr>
+          <p:cNvPr id="27" name="Straight Connector 26"/>
+          <p:cNvCxnSpPr/>
+          <p:nvPr/>
+        </p:nvCxnSpPr>
+        <p:spPr>
+          <a:xfrm>
+            <a:off x="7405952" y="4300699"/>
+            <a:ext cx="157146" cy="212395"/>
+          </a:xfrm>
+          <a:prstGeom prst="line">
+            <a:avLst/>
+          </a:prstGeom>
+          <a:ln>
+            <a:solidFill>
+              <a:schemeClr val="tx1"/>
+            </a:solidFill>
+          </a:ln>
+        </p:spPr>
+        <p:style>
+          <a:lnRef idx="1">
+            <a:schemeClr val="accent1"/>
+          </a:lnRef>
+          <a:fillRef idx="0">
+            <a:schemeClr val="accent1"/>
+          </a:fillRef>
+          <a:effectRef idx="0">
+            <a:schemeClr val="accent1"/>
+          </a:effectRef>
+          <a:fontRef idx="minor">
+            <a:schemeClr val="tx1"/>
+          </a:fontRef>
+        </p:style>
+      </p:cxnSp>
+      <p:cxnSp>
+        <p:nvCxnSpPr>
+          <p:cNvPr id="64" name="Straight Connector 63"/>
+          <p:cNvCxnSpPr/>
+          <p:nvPr/>
+        </p:nvCxnSpPr>
+        <p:spPr>
+          <a:xfrm flipV="1">
+            <a:off x="7248805" y="4300699"/>
+            <a:ext cx="157147" cy="169785"/>
+          </a:xfrm>
+          <a:prstGeom prst="line">
+            <a:avLst/>
+          </a:prstGeom>
+          <a:ln>
+            <a:solidFill>
+              <a:schemeClr val="tx1"/>
+            </a:solidFill>
+          </a:ln>
+        </p:spPr>
+        <p:style>
+          <a:lnRef idx="1">
+            <a:schemeClr val="accent1"/>
+          </a:lnRef>
+          <a:fillRef idx="0">
+            <a:schemeClr val="accent1"/>
+          </a:fillRef>
+          <a:effectRef idx="0">
+            <a:schemeClr val="accent1"/>
+          </a:effectRef>
+          <a:fontRef idx="minor">
+            <a:schemeClr val="tx1"/>
+          </a:fontRef>
+        </p:style>
+      </p:cxnSp>
+      <p:sp>
+        <p:nvSpPr>
+          <p:cNvPr id="7" name="Rectangle 6"/>
+          <p:cNvSpPr/>
+          <p:nvPr/>
+        </p:nvSpPr>
+        <p:spPr>
+          <a:xfrm>
+            <a:off x="49923" y="4074920"/>
+            <a:ext cx="3154187" cy="2695994"/>
+          </a:xfrm>
+          <a:prstGeom prst="rect">
+            <a:avLst/>
+          </a:prstGeom>
+        </p:spPr>
+        <p:style>
+          <a:lnRef idx="2">
+            <a:schemeClr val="accent2"/>
+          </a:lnRef>
+          <a:fillRef idx="1">
+            <a:schemeClr val="lt1"/>
+          </a:fillRef>
+          <a:effectRef idx="0">
+            <a:schemeClr val="accent2"/>
+          </a:effectRef>
+          <a:fontRef idx="minor">
+            <a:schemeClr val="dk1"/>
+          </a:fontRef>
+        </p:style>
+        <p:txBody>
+          <a:bodyPr rtlCol="0" anchor="ctr"/>
+          <a:lstStyle/>
+          <a:p>
+            <a:pPr algn="ctr" defTabSz="685800"/>
+            <a:r>
+              <a:rPr lang="en-US" kern="0" dirty="0">
+                <a:solidFill>
+                  <a:sysClr val="windowText" lastClr="000000"/>
+                </a:solidFill>
+              </a:rPr>
+              <a:t>Manifests</a:t>
+            </a:r>
+          </a:p>
+          <a:p>
+            <a:pPr defTabSz="685800"/>
+            <a:r>
+              <a:rPr lang="en-US" sz="1400" kern="0" dirty="0">
+                <a:solidFill>
+                  <a:sysClr val="windowText" lastClr="000000"/>
+                </a:solidFill>
+              </a:rPr>
+              <a:t>{</a:t>
+            </a:r>
+          </a:p>
+          <a:p>
+            <a:pPr marL="0" lvl="1" defTabSz="685800"/>
+            <a:r>
+              <a:rPr lang="en-US" sz="1400" kern="0" dirty="0">
+                <a:solidFill>
+                  <a:sysClr val="windowText" lastClr="000000"/>
+                </a:solidFill>
+              </a:rPr>
+              <a:t>  "_id" : &lt;</a:t>
+            </a:r>
+            <a:r>
+              <a:rPr lang="en-US" sz="1400" kern="0" dirty="0" err="1">
+                <a:solidFill>
+                  <a:sysClr val="windowText" lastClr="000000"/>
+                </a:solidFill>
+              </a:rPr>
+              <a:t>ObjectId</a:t>
+            </a:r>
+            <a:r>
+              <a:rPr lang="en-US" sz="1400" kern="0" dirty="0">
+                <a:solidFill>
+                  <a:sysClr val="windowText" lastClr="000000"/>
+                </a:solidFill>
+              </a:rPr>
+              <a:t>&gt;, Required</a:t>
+            </a:r>
+          </a:p>
+          <a:p>
+            <a:pPr marL="0" lvl="1" defTabSz="685800"/>
+            <a:r>
+              <a:rPr lang="en-US" sz="1400" kern="0" dirty="0">
+                <a:solidFill>
+                  <a:sysClr val="windowText" lastClr="000000"/>
+                </a:solidFill>
+              </a:rPr>
+              <a:t>  “</a:t>
+            </a:r>
+            <a:r>
+              <a:rPr lang="en-US" sz="1400" kern="0" dirty="0" err="1">
+                <a:solidFill>
+                  <a:sysClr val="windowText" lastClr="000000"/>
+                </a:solidFill>
+              </a:rPr>
+              <a:t>standardVersions</a:t>
+            </a:r>
+            <a:r>
+              <a:rPr lang="en-US" sz="1400" kern="0" dirty="0">
+                <a:solidFill>
+                  <a:sysClr val="windowText" lastClr="000000"/>
+                </a:solidFill>
+              </a:rPr>
+              <a:t>" : &lt;string&gt;, Required</a:t>
+            </a:r>
+          </a:p>
+          <a:p>
+            <a:pPr marL="0" lvl="1" defTabSz="685800"/>
+            <a:r>
+              <a:rPr lang="en-US" sz="1400" kern="0" dirty="0">
+                <a:solidFill>
+                  <a:sysClr val="windowText" lastClr="000000"/>
+                </a:solidFill>
+              </a:rPr>
+              <a:t>  “creator" : &lt;string&gt;, Required</a:t>
+            </a:r>
+          </a:p>
+          <a:p>
+            <a:pPr marL="0" lvl="1" defTabSz="685800"/>
+            <a:r>
+              <a:rPr lang="en-US" sz="1400" kern="0" dirty="0">
+                <a:solidFill>
+                  <a:sysClr val="windowText" lastClr="000000"/>
+                </a:solidFill>
+              </a:rPr>
+              <a:t>  “manifest”: &lt;</a:t>
+            </a:r>
+            <a:r>
+              <a:rPr lang="en-US" sz="1400" kern="0" dirty="0" err="1">
+                <a:solidFill>
+                  <a:sysClr val="windowText" lastClr="000000"/>
+                </a:solidFill>
+              </a:rPr>
+              <a:t>dataObject</a:t>
+            </a:r>
+            <a:r>
+              <a:rPr lang="en-US" sz="1400" kern="0" dirty="0">
+                <a:solidFill>
+                  <a:sysClr val="windowText" lastClr="000000"/>
+                </a:solidFill>
+              </a:rPr>
+              <a:t>&gt;, Required</a:t>
+            </a:r>
+          </a:p>
+          <a:p>
+            <a:pPr marL="0" lvl="1" defTabSz="685800"/>
+            <a:r>
+              <a:rPr lang="en-US" sz="1400" kern="0" dirty="0">
+                <a:solidFill>
+                  <a:sysClr val="windowText" lastClr="000000"/>
+                </a:solidFill>
+              </a:rPr>
+              <a:t>  "</a:t>
+            </a:r>
+            <a:r>
+              <a:rPr lang="en-US" sz="1400" kern="0" dirty="0" err="1">
+                <a:solidFill>
+                  <a:sysClr val="windowText" lastClr="000000"/>
+                </a:solidFill>
+              </a:rPr>
+              <a:t>uploadDate</a:t>
+            </a:r>
+            <a:r>
+              <a:rPr lang="en-US" sz="1400" kern="0" dirty="0">
+                <a:solidFill>
+                  <a:sysClr val="windowText" lastClr="000000"/>
+                </a:solidFill>
+              </a:rPr>
+              <a:t>" : &lt;timestamp&gt;, Required</a:t>
+            </a:r>
+          </a:p>
+          <a:p>
+            <a:pPr marL="0" lvl="1" defTabSz="685800"/>
+            <a:r>
+              <a:rPr lang="en-US" sz="1400" kern="0" dirty="0">
+                <a:solidFill>
+                  <a:sysClr val="windowText" lastClr="000000"/>
+                </a:solidFill>
+              </a:rPr>
+              <a:t>  “</a:t>
+            </a:r>
+            <a:r>
+              <a:rPr lang="en-US" sz="1400" kern="0" dirty="0" err="1">
+                <a:solidFill>
+                  <a:sysClr val="windowText" lastClr="000000"/>
+                </a:solidFill>
+              </a:rPr>
+              <a:t>file_id</a:t>
+            </a:r>
+            <a:r>
+              <a:rPr lang="en-US" sz="1400" kern="0" dirty="0">
+                <a:solidFill>
+                  <a:sysClr val="windowText" lastClr="000000"/>
+                </a:solidFill>
+              </a:rPr>
+              <a:t>”: &lt;</a:t>
+            </a:r>
+            <a:r>
+              <a:rPr lang="en-US" sz="1400" kern="0" dirty="0" err="1">
+                <a:solidFill>
+                  <a:sysClr val="windowText" lastClr="000000"/>
+                </a:solidFill>
+              </a:rPr>
+              <a:t>ObjectId</a:t>
+            </a:r>
+            <a:r>
+              <a:rPr lang="en-US" sz="1400" kern="0" dirty="0">
+                <a:solidFill>
+                  <a:sysClr val="windowText" lastClr="000000"/>
+                </a:solidFill>
+              </a:rPr>
+              <a:t>&gt; Required</a:t>
+            </a:r>
+          </a:p>
+          <a:p>
+            <a:pPr defTabSz="685800"/>
+            <a:r>
+              <a:rPr lang="en-US" sz="1400" kern="0" dirty="0">
+                <a:solidFill>
+                  <a:sysClr val="windowText" lastClr="000000"/>
+                </a:solidFill>
+              </a:rPr>
+              <a:t>}</a:t>
+            </a:r>
+          </a:p>
+        </p:txBody>
+      </p:sp>
     </p:spTree>
     <p:extLst>
       <p:ext uri="{BB962C8B-B14F-4D97-AF65-F5344CB8AC3E}">
-        <p14:creationId xmlns:p14="http://schemas.microsoft.com/office/powerpoint/2010/main" val="2463362414"/>
+        <p14:creationId xmlns:p14="http://schemas.microsoft.com/office/powerpoint/2010/main" val="1769048874"/>
       </p:ext>
     </p:extLst>
   </p:cSld>
   <p:clrMapOvr>
     <a:masterClrMapping/>
   </p:clrMapOvr>
-  <p:timing>
-    <p:tnLst>
-      <p:par>
-        <p:cTn id="1" dur="indefinite" restart="never" nodeType="tmRoot"/>
-      </p:par>
-    </p:tnLst>
-  </p:timing>
 </p:sld>
 </file>
 
@@ -8960,10 +8873,9 @@
           <a:lstStyle/>
           <a:p>
             <a:r>
-              <a:rPr lang="en-US" dirty="0" smtClean="0"/>
+              <a:rPr lang="en-US" dirty="0"/>
               <a:t>Design: Our Approach to Data</a:t>
             </a:r>
-            <a:endParaRPr lang="en-US" dirty="0"/>
           </a:p>
         </p:txBody>
       </p:sp>
@@ -8983,7 +8895,7 @@
           <a:lstStyle/>
           <a:p>
             <a:r>
-              <a:rPr lang="en-US" dirty="0" smtClean="0"/>
+              <a:rPr lang="en-US" dirty="0"/>
               <a:t>Methods / Software</a:t>
             </a:r>
           </a:p>
@@ -9293,13 +9205,6 @@
   <p:clrMapOvr>
     <a:masterClrMapping/>
   </p:clrMapOvr>
-  <p:timing>
-    <p:tnLst>
-      <p:par>
-        <p:cTn id="1" dur="indefinite" restart="never" nodeType="tmRoot"/>
-      </p:par>
-    </p:tnLst>
-  </p:timing>
 </p:sld>
 </file>
 
@@ -9338,10 +9243,9 @@
           <a:lstStyle/>
           <a:p>
             <a:r>
-              <a:rPr lang="en-US" dirty="0" smtClean="0"/>
+              <a:rPr lang="en-US" dirty="0"/>
               <a:t>Design: Software Patterns</a:t>
             </a:r>
-            <a:endParaRPr lang="en-US" dirty="0"/>
           </a:p>
         </p:txBody>
       </p:sp>
@@ -9361,13 +9265,13 @@
           <a:lstStyle/>
           <a:p>
             <a:r>
-              <a:rPr lang="en-US" dirty="0" smtClean="0"/>
+              <a:rPr lang="en-US" dirty="0"/>
               <a:t>Describe software patterns used</a:t>
             </a:r>
           </a:p>
           <a:p>
             <a:r>
-              <a:rPr lang="en-US" dirty="0" smtClean="0"/>
+              <a:rPr lang="en-US" dirty="0"/>
               <a:t>This may include describing which patterns are implemented in a framework you chose.  You will have to look into that using Google.</a:t>
             </a:r>
           </a:p>
@@ -9383,13 +9287,6 @@
   <p:clrMapOvr>
     <a:masterClrMapping/>
   </p:clrMapOvr>
-  <p:timing>
-    <p:tnLst>
-      <p:par>
-        <p:cTn id="1" dur="indefinite" restart="never" nodeType="tmRoot"/>
-      </p:par>
-    </p:tnLst>
-  </p:timing>
 </p:sld>
 </file>
 
@@ -9428,10 +9325,9 @@
           <a:lstStyle/>
           <a:p>
             <a:r>
-              <a:rPr lang="en-US" dirty="0" smtClean="0"/>
+              <a:rPr lang="en-US" dirty="0"/>
               <a:t>Design: HCI</a:t>
             </a:r>
-            <a:endParaRPr lang="en-US" dirty="0"/>
           </a:p>
         </p:txBody>
       </p:sp>
@@ -9451,13 +9347,13 @@
           <a:lstStyle/>
           <a:p>
             <a:r>
-              <a:rPr lang="en-US" dirty="0" smtClean="0"/>
+              <a:rPr lang="en-US" dirty="0"/>
               <a:t>Site navigation</a:t>
             </a:r>
           </a:p>
           <a:p>
             <a:r>
-              <a:rPr lang="en-US" dirty="0" smtClean="0"/>
+              <a:rPr lang="en-US" dirty="0"/>
               <a:t>Example Screens</a:t>
             </a:r>
           </a:p>
@@ -9473,13 +9369,6 @@
   <p:clrMapOvr>
     <a:masterClrMapping/>
   </p:clrMapOvr>
-  <p:timing>
-    <p:tnLst>
-      <p:par>
-        <p:cTn id="1" dur="indefinite" restart="never" nodeType="tmRoot"/>
-      </p:par>
-    </p:tnLst>
-  </p:timing>
 </p:sld>
 </file>
 
@@ -9516,10 +9405,9 @@
           <a:lstStyle/>
           <a:p>
             <a:r>
-              <a:rPr lang="en-US" dirty="0" smtClean="0"/>
+              <a:rPr lang="en-US" dirty="0"/>
               <a:t>Implementation</a:t>
             </a:r>
-            <a:endParaRPr lang="en-US" dirty="0"/>
           </a:p>
         </p:txBody>
       </p:sp>
@@ -9539,35 +9427,35 @@
           <a:lstStyle/>
           <a:p>
             <a:r>
-              <a:rPr lang="en-US" dirty="0" smtClean="0"/>
+              <a:rPr lang="en-US" dirty="0"/>
               <a:t>Show core use cases</a:t>
             </a:r>
           </a:p>
           <a:p>
             <a:pPr lvl="1"/>
             <a:r>
-              <a:rPr lang="en-US" dirty="0" smtClean="0"/>
+              <a:rPr lang="en-US" dirty="0"/>
               <a:t>Creating an account</a:t>
             </a:r>
           </a:p>
           <a:p>
             <a:pPr lvl="1"/>
             <a:r>
-              <a:rPr lang="en-US" dirty="0" smtClean="0"/>
+              <a:rPr lang="en-US" dirty="0"/>
               <a:t>Updating your information</a:t>
             </a:r>
           </a:p>
           <a:p>
             <a:pPr lvl="1"/>
             <a:r>
-              <a:rPr lang="en-US" dirty="0" smtClean="0"/>
+              <a:rPr lang="en-US" dirty="0"/>
               <a:t>Etc. </a:t>
             </a:r>
             <a:r>
-              <a:rPr lang="is-IS" dirty="0" smtClean="0"/>
+              <a:rPr lang="is-IS" dirty="0"/>
               <a:t>… relevant to your design</a:t>
             </a:r>
-            <a:endParaRPr lang="en-US" dirty="0" smtClean="0"/>
+            <a:endParaRPr lang="en-US" dirty="0"/>
           </a:p>
         </p:txBody>
       </p:sp>
@@ -9581,13 +9469,6 @@
   <p:clrMapOvr>
     <a:masterClrMapping/>
   </p:clrMapOvr>
-  <p:timing>
-    <p:tnLst>
-      <p:par>
-        <p:cTn id="1" dur="indefinite" restart="never" nodeType="tmRoot"/>
-      </p:par>
-    </p:tnLst>
-  </p:timing>
 </p:sld>
 </file>
 

--- a/FinalPresentationTemplate.pptx
+++ b/FinalPresentationTemplate.pptx
@@ -15,9 +15,9 @@
     <p:sldId id="270" r:id="rId6"/>
     <p:sldId id="261" r:id="rId7"/>
     <p:sldId id="263" r:id="rId8"/>
-    <p:sldId id="264" r:id="rId9"/>
-    <p:sldId id="262" r:id="rId10"/>
-    <p:sldId id="268" r:id="rId11"/>
+    <p:sldId id="268" r:id="rId9"/>
+    <p:sldId id="264" r:id="rId10"/>
+    <p:sldId id="262" r:id="rId11"/>
     <p:sldId id="265" r:id="rId12"/>
     <p:sldId id="266" r:id="rId13"/>
     <p:sldId id="267" r:id="rId14"/>
@@ -5598,7 +5598,7 @@
           <a:p>
             <a:r>
               <a:rPr lang="en-US" dirty="0"/>
-              <a:t>Deployment</a:t>
+              <a:t>Implementation</a:t>
             </a:r>
           </a:p>
         </p:txBody>
@@ -5615,126 +5615,55 @@
         </p:nvSpPr>
         <p:spPr/>
         <p:txBody>
-          <a:bodyPr>
-            <a:normAutofit/>
-          </a:bodyPr>
+          <a:bodyPr/>
           <a:lstStyle/>
           <a:p>
-            <a:pPr lvl="0" fontAlgn="base"/>
+            <a:r>
+              <a:rPr lang="en-US" dirty="0"/>
+              <a:t>Show core use cases</a:t>
+            </a:r>
+          </a:p>
+          <a:p>
+            <a:pPr lvl="1"/>
+            <a:r>
+              <a:rPr lang="en-US" dirty="0"/>
+              <a:t>Creating an account</a:t>
+            </a:r>
+          </a:p>
+          <a:p>
+            <a:pPr lvl="1"/>
+            <a:r>
+              <a:rPr lang="en-US" dirty="0"/>
+              <a:t>Updating your information</a:t>
+            </a:r>
+          </a:p>
+          <a:p>
+            <a:pPr lvl="1"/>
+            <a:r>
+              <a:rPr lang="en-US" dirty="0"/>
+              <a:t>Etc. </a:t>
+            </a:r>
+            <a:r>
+              <a:rPr lang="is-IS" dirty="0"/>
+              <a:t>… relevant to your design</a:t>
+            </a:r>
+          </a:p>
+          <a:p>
+            <a:pPr lvl="1"/>
             <a:r>
               <a:rPr lang="en-US" dirty="0">
-                <a:effectLst/>
-              </a:rPr>
-              <a:t>Hosting Platform: </a:t>
-            </a:r>
-            <a:r>
-              <a:rPr lang="en-US" dirty="0">
-                <a:effectLst/>
                 <a:hlinkClick r:id="rId2"/>
               </a:rPr>
-              <a:t>Amazon Web Services</a:t>
-            </a:r>
-            <a:endParaRPr lang="en-US" dirty="0">
-              <a:effectLst/>
-            </a:endParaRPr>
-          </a:p>
-          <a:p>
-            <a:pPr lvl="0" fontAlgn="base"/>
-            <a:r>
-              <a:rPr lang="en-US" dirty="0">
-                <a:effectLst/>
-              </a:rPr>
-              <a:t>Operating System: </a:t>
-            </a:r>
-            <a:r>
-              <a:rPr lang="en-US" dirty="0">
-                <a:effectLst/>
-                <a:hlinkClick r:id="rId3"/>
-              </a:rPr>
-              <a:t>Ubuntu 16.04.1</a:t>
-            </a:r>
-            <a:endParaRPr lang="en-US" dirty="0">
-              <a:effectLst/>
-            </a:endParaRPr>
-          </a:p>
-          <a:p>
-            <a:pPr lvl="0" fontAlgn="base"/>
-            <a:r>
-              <a:rPr lang="en-US" dirty="0">
-                <a:effectLst/>
-              </a:rPr>
-              <a:t>Web Server: </a:t>
-            </a:r>
-            <a:r>
-              <a:rPr lang="en-US" dirty="0">
-                <a:effectLst/>
-                <a:hlinkClick r:id="rId4"/>
-              </a:rPr>
-              <a:t>Apache HTTP Server 2.4</a:t>
-            </a:r>
-            <a:endParaRPr lang="en-US" dirty="0">
-              <a:effectLst/>
-            </a:endParaRPr>
-          </a:p>
-          <a:p>
-            <a:pPr lvl="0" fontAlgn="base"/>
-            <a:r>
-              <a:rPr lang="en-US" dirty="0">
-                <a:effectLst/>
-              </a:rPr>
-              <a:t>Database: </a:t>
-            </a:r>
-            <a:r>
-              <a:rPr lang="en-US" dirty="0">
-                <a:effectLst/>
-                <a:hlinkClick r:id="rId5"/>
-              </a:rPr>
-              <a:t>MongoDB</a:t>
-            </a:r>
-            <a:endParaRPr lang="en-US" dirty="0">
-              <a:effectLst/>
-            </a:endParaRPr>
-          </a:p>
-          <a:p>
-            <a:r>
-              <a:rPr lang="en-US" dirty="0">
-                <a:effectLst/>
-              </a:rPr>
-              <a:t>Automated deployment is enabled by running bash script as root, which will </a:t>
+              <a:t>http://ec2-35-164-234-183.us-west-2.compute.amazonaws.com</a:t>
             </a:r>
             <a:endParaRPr lang="en-US" dirty="0"/>
-          </a:p>
-          <a:p>
-            <a:pPr lvl="1"/>
-            <a:r>
-              <a:rPr lang="en-US" dirty="0">
-                <a:effectLst/>
-              </a:rPr>
-              <a:t>install apache2, python, mongo driver, Flask and </a:t>
-            </a:r>
-            <a:r>
-              <a:rPr lang="en-US" dirty="0" err="1">
-                <a:effectLst/>
-              </a:rPr>
-              <a:t>mongoDB</a:t>
-            </a:r>
-            <a:endParaRPr lang="en-US" dirty="0">
-              <a:effectLst/>
-            </a:endParaRPr>
-          </a:p>
-          <a:p>
-            <a:pPr lvl="1"/>
-            <a:r>
-              <a:rPr lang="en-US" dirty="0"/>
-              <a:t>migrate source code files to localhost</a:t>
-            </a:r>
           </a:p>
         </p:txBody>
       </p:sp>
     </p:spTree>
     <p:extLst>
       <p:ext uri="{BB962C8B-B14F-4D97-AF65-F5344CB8AC3E}">
-        <p14:creationId xmlns:p14="http://schemas.microsoft.com/office/powerpoint/2010/main" val="936177811"/>
+        <p14:creationId xmlns:p14="http://schemas.microsoft.com/office/powerpoint/2010/main" val="2605384893"/>
       </p:ext>
     </p:extLst>
   </p:cSld>
@@ -5943,7 +5872,7 @@
                   <a:srgbClr val="FF0000"/>
                 </a:solidFill>
               </a:rPr>
-              <a:t>Enable search history??</a:t>
+              <a:t>Search Integration</a:t>
             </a:r>
           </a:p>
           <a:p>
@@ -5956,6 +5885,58 @@
               </a:rPr>
               <a:t>Like/dislike button??</a:t>
             </a:r>
+          </a:p>
+          <a:p>
+            <a:pPr lvl="2"/>
+            <a:r>
+              <a:rPr lang="en-US" dirty="0">
+                <a:solidFill>
+                  <a:srgbClr val="FF0000"/>
+                </a:solidFill>
+              </a:rPr>
+              <a:t>FUTURE!!! </a:t>
+            </a:r>
+          </a:p>
+          <a:p>
+            <a:pPr lvl="1"/>
+            <a:r>
+              <a:rPr lang="en-US" dirty="0">
+                <a:solidFill>
+                  <a:srgbClr val="FF0000"/>
+                </a:solidFill>
+              </a:rPr>
+              <a:t>Account Integration</a:t>
+            </a:r>
+          </a:p>
+          <a:p>
+            <a:pPr lvl="1"/>
+            <a:r>
+              <a:rPr lang="en-US" dirty="0">
+                <a:solidFill>
+                  <a:srgbClr val="FF0000"/>
+                </a:solidFill>
+              </a:rPr>
+              <a:t>Front End Validation</a:t>
+            </a:r>
+          </a:p>
+          <a:p>
+            <a:pPr lvl="1"/>
+            <a:r>
+              <a:rPr lang="en-US" dirty="0">
+                <a:solidFill>
+                  <a:srgbClr val="FF0000"/>
+                </a:solidFill>
+              </a:rPr>
+              <a:t>Download Files Integration</a:t>
+            </a:r>
+          </a:p>
+          <a:p>
+            <a:pPr lvl="1"/>
+            <a:endParaRPr lang="en-US" dirty="0">
+              <a:solidFill>
+                <a:srgbClr val="FF0000"/>
+              </a:solidFill>
+            </a:endParaRPr>
           </a:p>
         </p:txBody>
       </p:sp>
@@ -9319,42 +9300,140 @@
         </p:nvSpPr>
         <p:spPr/>
         <p:txBody>
+          <a:bodyPr/>
+          <a:lstStyle/>
+          <a:p>
+            <a:r>
+              <a:rPr lang="en-US" dirty="0"/>
+              <a:t>Deployment</a:t>
+            </a:r>
+          </a:p>
+        </p:txBody>
+      </p:sp>
+      <p:sp>
+        <p:nvSpPr>
+          <p:cNvPr id="3" name="Content Placeholder 2"/>
+          <p:cNvSpPr>
+            <a:spLocks noGrp="1"/>
+          </p:cNvSpPr>
+          <p:nvPr>
+            <p:ph idx="1"/>
+          </p:nvPr>
+        </p:nvSpPr>
+        <p:spPr/>
+        <p:txBody>
           <a:bodyPr>
             <a:normAutofit/>
           </a:bodyPr>
           <a:lstStyle/>
           <a:p>
+            <a:pPr lvl="0" fontAlgn="base"/>
+            <a:r>
+              <a:rPr lang="en-US" dirty="0">
+                <a:effectLst/>
+              </a:rPr>
+              <a:t>Hosting Platform: </a:t>
+            </a:r>
+            <a:r>
+              <a:rPr lang="en-US" dirty="0">
+                <a:effectLst/>
+                <a:hlinkClick r:id="rId2"/>
+              </a:rPr>
+              <a:t>Amazon Web Services</a:t>
+            </a:r>
+            <a:endParaRPr lang="en-US" dirty="0">
+              <a:effectLst/>
+            </a:endParaRPr>
+          </a:p>
+          <a:p>
+            <a:pPr lvl="0" fontAlgn="base"/>
+            <a:r>
+              <a:rPr lang="en-US" dirty="0">
+                <a:effectLst/>
+              </a:rPr>
+              <a:t>Operating System: </a:t>
+            </a:r>
+            <a:r>
+              <a:rPr lang="en-US" dirty="0">
+                <a:effectLst/>
+                <a:hlinkClick r:id="rId3"/>
+              </a:rPr>
+              <a:t>Ubuntu 16.04.1</a:t>
+            </a:r>
+            <a:endParaRPr lang="en-US" dirty="0">
+              <a:effectLst/>
+            </a:endParaRPr>
+          </a:p>
+          <a:p>
+            <a:pPr lvl="0" fontAlgn="base"/>
+            <a:r>
+              <a:rPr lang="en-US" dirty="0">
+                <a:effectLst/>
+              </a:rPr>
+              <a:t>Web Server: </a:t>
+            </a:r>
+            <a:r>
+              <a:rPr lang="en-US" dirty="0">
+                <a:effectLst/>
+                <a:hlinkClick r:id="rId4"/>
+              </a:rPr>
+              <a:t>Apache HTTP Server 2.4</a:t>
+            </a:r>
+            <a:endParaRPr lang="en-US" dirty="0">
+              <a:effectLst/>
+            </a:endParaRPr>
+          </a:p>
+          <a:p>
+            <a:pPr lvl="0" fontAlgn="base"/>
+            <a:r>
+              <a:rPr lang="en-US" dirty="0">
+                <a:effectLst/>
+              </a:rPr>
+              <a:t>Database: </a:t>
+            </a:r>
+            <a:r>
+              <a:rPr lang="en-US" dirty="0">
+                <a:effectLst/>
+                <a:hlinkClick r:id="rId5"/>
+              </a:rPr>
+              <a:t>MongoDB</a:t>
+            </a:r>
+            <a:endParaRPr lang="en-US" dirty="0">
+              <a:effectLst/>
+            </a:endParaRPr>
+          </a:p>
+          <a:p>
+            <a:r>
+              <a:rPr lang="en-US" dirty="0">
+                <a:effectLst/>
+              </a:rPr>
+              <a:t>Automated deployment is enabled by running bash script as root, which will </a:t>
+            </a:r>
+            <a:endParaRPr lang="en-US" dirty="0"/>
+          </a:p>
+          <a:p>
+            <a:pPr lvl="1"/>
+            <a:r>
+              <a:rPr lang="en-US" dirty="0">
+                <a:effectLst/>
+              </a:rPr>
+              <a:t>install apache2, python, mongo driver, Flask and </a:t>
+            </a:r>
+            <a:r>
+              <a:rPr lang="en-US" dirty="0" err="1">
+                <a:effectLst/>
+              </a:rPr>
+              <a:t>mongoDB</a:t>
+            </a:r>
+            <a:endParaRPr lang="en-US" dirty="0">
+              <a:effectLst/>
+            </a:endParaRPr>
+          </a:p>
+          <a:p>
+            <a:pPr lvl="1"/>
             <a:r>
               <a:rPr lang="en-US" dirty="0"/>
-              <a:t>Design: HCI</a:t>
-            </a:r>
-          </a:p>
-        </p:txBody>
-      </p:sp>
-      <p:sp>
-        <p:nvSpPr>
-          <p:cNvPr id="3" name="Content Placeholder 2"/>
-          <p:cNvSpPr>
-            <a:spLocks noGrp="1"/>
-          </p:cNvSpPr>
-          <p:nvPr>
-            <p:ph idx="1"/>
-          </p:nvPr>
-        </p:nvSpPr>
-        <p:spPr/>
-        <p:txBody>
-          <a:bodyPr/>
-          <a:lstStyle/>
-          <a:p>
-            <a:r>
-              <a:rPr lang="en-US" dirty="0"/>
-              <a:t>Site navigation</a:t>
-            </a:r>
-          </a:p>
-          <a:p>
-            <a:r>
-              <a:rPr lang="en-US" dirty="0"/>
-              <a:t>Example Screens</a:t>
+              <a:t>migrate source code files to localhost</a:t>
             </a:r>
           </a:p>
         </p:txBody>
@@ -9362,7 +9441,7 @@
     </p:spTree>
     <p:extLst>
       <p:ext uri="{BB962C8B-B14F-4D97-AF65-F5344CB8AC3E}">
-        <p14:creationId xmlns:p14="http://schemas.microsoft.com/office/powerpoint/2010/main" val="1633707101"/>
+        <p14:creationId xmlns:p14="http://schemas.microsoft.com/office/powerpoint/2010/main" val="936177811"/>
       </p:ext>
     </p:extLst>
   </p:cSld>
@@ -9401,68 +9480,50 @@
         </p:nvSpPr>
         <p:spPr/>
         <p:txBody>
+          <a:bodyPr>
+            <a:normAutofit/>
+          </a:bodyPr>
+          <a:lstStyle/>
+          <a:p>
+            <a:r>
+              <a:rPr lang="en-US" dirty="0"/>
+              <a:t>Design: HCI</a:t>
+            </a:r>
+          </a:p>
+        </p:txBody>
+      </p:sp>
+      <p:sp>
+        <p:nvSpPr>
+          <p:cNvPr id="3" name="Content Placeholder 2"/>
+          <p:cNvSpPr>
+            <a:spLocks noGrp="1"/>
+          </p:cNvSpPr>
+          <p:nvPr>
+            <p:ph idx="1"/>
+          </p:nvPr>
+        </p:nvSpPr>
+        <p:spPr/>
+        <p:txBody>
           <a:bodyPr/>
           <a:lstStyle/>
           <a:p>
             <a:r>
               <a:rPr lang="en-US" dirty="0"/>
-              <a:t>Implementation</a:t>
-            </a:r>
-          </a:p>
-        </p:txBody>
-      </p:sp>
-      <p:sp>
-        <p:nvSpPr>
-          <p:cNvPr id="3" name="Content Placeholder 2"/>
-          <p:cNvSpPr>
-            <a:spLocks noGrp="1"/>
-          </p:cNvSpPr>
-          <p:nvPr>
-            <p:ph idx="1"/>
-          </p:nvPr>
-        </p:nvSpPr>
-        <p:spPr/>
-        <p:txBody>
-          <a:bodyPr/>
-          <a:lstStyle/>
+              <a:t>Site navigation</a:t>
+            </a:r>
+          </a:p>
           <a:p>
             <a:r>
               <a:rPr lang="en-US" dirty="0"/>
-              <a:t>Show core use cases</a:t>
-            </a:r>
-          </a:p>
-          <a:p>
-            <a:pPr lvl="1"/>
-            <a:r>
-              <a:rPr lang="en-US" dirty="0"/>
-              <a:t>Creating an account</a:t>
-            </a:r>
-          </a:p>
-          <a:p>
-            <a:pPr lvl="1"/>
-            <a:r>
-              <a:rPr lang="en-US" dirty="0"/>
-              <a:t>Updating your information</a:t>
-            </a:r>
-          </a:p>
-          <a:p>
-            <a:pPr lvl="1"/>
-            <a:r>
-              <a:rPr lang="en-US" dirty="0"/>
-              <a:t>Etc. </a:t>
-            </a:r>
-            <a:r>
-              <a:rPr lang="is-IS" dirty="0"/>
-              <a:t>… relevant to your design</a:t>
-            </a:r>
-            <a:endParaRPr lang="en-US" dirty="0"/>
+              <a:t>Example Screens</a:t>
+            </a:r>
           </a:p>
         </p:txBody>
       </p:sp>
     </p:spTree>
     <p:extLst>
       <p:ext uri="{BB962C8B-B14F-4D97-AF65-F5344CB8AC3E}">
-        <p14:creationId xmlns:p14="http://schemas.microsoft.com/office/powerpoint/2010/main" val="2605384893"/>
+        <p14:creationId xmlns:p14="http://schemas.microsoft.com/office/powerpoint/2010/main" val="1633707101"/>
       </p:ext>
     </p:extLst>
   </p:cSld>
